--- a/docs/Type_script_SapientRazorfish.pptx
+++ b/docs/Type_script_SapientRazorfish.pptx
@@ -10,7 +10,7 @@
     <p:sldMasterId id="2147483714" r:id="rId6"/>
   </p:sldMasterIdLst>
   <p:notesMasterIdLst>
-    <p:notesMasterId r:id="rId28"/>
+    <p:notesMasterId r:id="rId29"/>
   </p:notesMasterIdLst>
   <p:sldIdLst>
     <p:sldId id="257" r:id="rId7"/>
@@ -24,16 +24,17 @@
     <p:sldId id="278" r:id="rId15"/>
     <p:sldId id="283" r:id="rId16"/>
     <p:sldId id="284" r:id="rId17"/>
-    <p:sldId id="266" r:id="rId18"/>
-    <p:sldId id="279" r:id="rId19"/>
-    <p:sldId id="269" r:id="rId20"/>
-    <p:sldId id="270" r:id="rId21"/>
-    <p:sldId id="271" r:id="rId22"/>
-    <p:sldId id="272" r:id="rId23"/>
-    <p:sldId id="274" r:id="rId24"/>
-    <p:sldId id="275" r:id="rId25"/>
-    <p:sldId id="285" r:id="rId26"/>
-    <p:sldId id="276" r:id="rId27"/>
+    <p:sldId id="287" r:id="rId18"/>
+    <p:sldId id="266" r:id="rId19"/>
+    <p:sldId id="279" r:id="rId20"/>
+    <p:sldId id="269" r:id="rId21"/>
+    <p:sldId id="270" r:id="rId22"/>
+    <p:sldId id="271" r:id="rId23"/>
+    <p:sldId id="286" r:id="rId24"/>
+    <p:sldId id="272" r:id="rId25"/>
+    <p:sldId id="274" r:id="rId26"/>
+    <p:sldId id="275" r:id="rId27"/>
+    <p:sldId id="276" r:id="rId28"/>
   </p:sldIdLst>
   <p:sldSz cx="13030200" cy="9737725"/>
   <p:notesSz cx="6858000" cy="9144000"/>
@@ -7782,7 +7783,7 @@
           <a:p>
             <a:fld id="{8DC4B402-203A-9846-91C0-498629596514}" type="datetimeFigureOut">
               <a:rPr lang="en-US" smtClean="0"/>
-              <a:t>8/7/2017</a:t>
+              <a:t>8/8/2017</a:t>
             </a:fld>
             <a:endParaRPr lang="en-US"/>
           </a:p>
@@ -8285,14 +8286,6 @@
           <a:bodyPr/>
           <a:lstStyle/>
           <a:p>
-            <a:r>
-              <a:rPr lang="en-US" dirty="0" smtClean="0"/>
-              <a:t>Typescript</a:t>
-            </a:r>
-            <a:r>
-              <a:rPr lang="en-US" baseline="0" dirty="0" smtClean="0"/>
-              <a:t> provides the concept of annotations. This allows to add meta data to the application.</a:t>
-            </a:r>
             <a:endParaRPr lang="en-US" dirty="0"/>
           </a:p>
         </p:txBody>
@@ -8314,7 +8307,7 @@
           <a:p>
             <a:fld id="{9687E208-1B4B-A041-A1BB-6D46C6EE0456}" type="slidenum">
               <a:rPr lang="en-US" smtClean="0"/>
-              <a:t>13</a:t>
+              <a:t>12</a:t>
             </a:fld>
             <a:endParaRPr lang="en-US"/>
           </a:p>
@@ -8323,7 +8316,7 @@
     </p:spTree>
     <p:extLst>
       <p:ext uri="{BB962C8B-B14F-4D97-AF65-F5344CB8AC3E}">
-        <p14:creationId xmlns:p14="http://schemas.microsoft.com/office/powerpoint/2010/main" val="2511481432"/>
+        <p14:creationId xmlns:p14="http://schemas.microsoft.com/office/powerpoint/2010/main" val="1975880126"/>
       </p:ext>
     </p:extLst>
   </p:cSld>
@@ -8378,227 +8371,12 @@
           <a:lstStyle/>
           <a:p>
             <a:r>
-              <a:rPr lang="en-US" sz="1200" b="0" i="0" kern="1200" dirty="0" smtClean="0">
-                <a:solidFill>
-                  <a:schemeClr val="tx1"/>
-                </a:solidFill>
-                <a:effectLst/>
-                <a:latin typeface="+mn-lt"/>
-                <a:ea typeface="+mn-ea"/>
-                <a:cs typeface="+mn-cs"/>
-              </a:rPr>
-              <a:t>Interfaces in </a:t>
-            </a:r>
-            <a:r>
-              <a:rPr lang="en-US" sz="1200" b="0" i="0" kern="1200" dirty="0" err="1" smtClean="0">
-                <a:solidFill>
-                  <a:schemeClr val="tx1"/>
-                </a:solidFill>
-                <a:effectLst/>
-                <a:latin typeface="+mn-lt"/>
-                <a:ea typeface="+mn-ea"/>
-                <a:cs typeface="+mn-cs"/>
-              </a:rPr>
-              <a:t>TypeScript</a:t>
-            </a:r>
-            <a:r>
-              <a:rPr lang="en-US" sz="1200" b="0" i="0" kern="1200" dirty="0" smtClean="0">
-                <a:solidFill>
-                  <a:schemeClr val="tx1"/>
-                </a:solidFill>
-                <a:effectLst/>
-                <a:latin typeface="+mn-lt"/>
-                <a:ea typeface="+mn-ea"/>
-                <a:cs typeface="+mn-cs"/>
-              </a:rPr>
-              <a:t> are similar to interfaces in many object-oriented programming languages. However, in </a:t>
-            </a:r>
-            <a:r>
-              <a:rPr lang="en-US" sz="1200" b="0" i="0" kern="1200" dirty="0" err="1" smtClean="0">
-                <a:solidFill>
-                  <a:schemeClr val="tx1"/>
-                </a:solidFill>
-                <a:effectLst/>
-                <a:latin typeface="+mn-lt"/>
-                <a:ea typeface="+mn-ea"/>
-                <a:cs typeface="+mn-cs"/>
-              </a:rPr>
-              <a:t>TypeScript</a:t>
-            </a:r>
-            <a:r>
-              <a:rPr lang="en-US" sz="1200" b="0" i="0" kern="1200" dirty="0" smtClean="0">
-                <a:solidFill>
-                  <a:schemeClr val="tx1"/>
-                </a:solidFill>
-                <a:effectLst/>
-                <a:latin typeface="+mn-lt"/>
-                <a:ea typeface="+mn-ea"/>
-                <a:cs typeface="+mn-cs"/>
-              </a:rPr>
-              <a:t>, they play the role of defining the "shape" of an object. Objects don't have to explicitly </a:t>
-            </a:r>
-            <a:r>
-              <a:rPr lang="en-US" sz="1200" b="0" i="1" kern="1200" dirty="0" smtClean="0">
-                <a:solidFill>
-                  <a:schemeClr val="tx1"/>
-                </a:solidFill>
-                <a:effectLst/>
-                <a:latin typeface="+mn-lt"/>
-                <a:ea typeface="+mn-ea"/>
-                <a:cs typeface="+mn-cs"/>
-              </a:rPr>
-              <a:t>implements </a:t>
-            </a:r>
-            <a:r>
-              <a:rPr lang="en-US" sz="1200" b="0" i="0" kern="1200" dirty="0" smtClean="0">
-                <a:solidFill>
-                  <a:schemeClr val="tx1"/>
-                </a:solidFill>
-                <a:effectLst/>
-                <a:latin typeface="+mn-lt"/>
-                <a:ea typeface="+mn-ea"/>
-                <a:cs typeface="+mn-cs"/>
-              </a:rPr>
-              <a:t>interfaces as you would in C# or Java. Instead, interfaces define the expected properties so that the type checker can verify an object with the expected properties is being used.</a:t>
-            </a:r>
-          </a:p>
-          <a:p>
-            <a:r>
-              <a:rPr lang="en-US" sz="1200" b="0" i="0" kern="1200" dirty="0" smtClean="0">
-                <a:solidFill>
-                  <a:schemeClr val="tx1"/>
-                </a:solidFill>
-                <a:effectLst/>
-                <a:latin typeface="+mn-lt"/>
-                <a:ea typeface="+mn-ea"/>
-                <a:cs typeface="+mn-cs"/>
-              </a:rPr>
-              <a:t>It often helps in providing a standard structure that the deriving classes would follow.</a:t>
-            </a:r>
-          </a:p>
-          <a:p>
-            <a:r>
-              <a:rPr lang="en-US" sz="1200" b="0" i="0" kern="1200" dirty="0" smtClean="0">
-                <a:solidFill>
-                  <a:schemeClr val="tx1"/>
-                </a:solidFill>
-                <a:effectLst/>
-                <a:latin typeface="+mn-lt"/>
-                <a:ea typeface="+mn-ea"/>
-                <a:cs typeface="+mn-cs"/>
-              </a:rPr>
-              <a:t>The following code defines an interface and a function that takes a parameter that adheres to that interface. A new object is then created and passed to the function.</a:t>
-            </a:r>
-          </a:p>
-          <a:p>
-            <a:endParaRPr lang="en-US" dirty="0" smtClean="0"/>
-          </a:p>
-          <a:p>
-            <a:endParaRPr lang="en-US" dirty="0" smtClean="0"/>
-          </a:p>
-          <a:p>
-            <a:r>
-              <a:rPr lang="en-US" sz="1200" b="0" i="0" kern="1200" dirty="0" smtClean="0">
-                <a:solidFill>
-                  <a:schemeClr val="tx1"/>
-                </a:solidFill>
-                <a:effectLst/>
-                <a:latin typeface="+mn-lt"/>
-                <a:ea typeface="+mn-ea"/>
-                <a:cs typeface="+mn-cs"/>
-              </a:rPr>
-              <a:t>Interfaces in </a:t>
-            </a:r>
-            <a:r>
-              <a:rPr lang="en-US" sz="1200" b="0" i="0" kern="1200" dirty="0" err="1" smtClean="0">
-                <a:solidFill>
-                  <a:schemeClr val="tx1"/>
-                </a:solidFill>
-                <a:effectLst/>
-                <a:latin typeface="+mn-lt"/>
-                <a:ea typeface="+mn-ea"/>
-                <a:cs typeface="+mn-cs"/>
-              </a:rPr>
-              <a:t>TypeScript</a:t>
-            </a:r>
-            <a:r>
-              <a:rPr lang="en-US" sz="1200" b="0" i="0" kern="1200" dirty="0" smtClean="0">
-                <a:solidFill>
-                  <a:schemeClr val="tx1"/>
-                </a:solidFill>
-                <a:effectLst/>
-                <a:latin typeface="+mn-lt"/>
-                <a:ea typeface="+mn-ea"/>
-                <a:cs typeface="+mn-cs"/>
-              </a:rPr>
-              <a:t> are a form of </a:t>
-            </a:r>
-            <a:r>
-              <a:rPr lang="en-US" sz="1200" b="0" i="0" u="none" strike="noStrike" kern="1200" dirty="0" smtClean="0">
-                <a:solidFill>
-                  <a:schemeClr val="tx1"/>
-                </a:solidFill>
-                <a:effectLst/>
-                <a:latin typeface="+mn-lt"/>
-                <a:ea typeface="+mn-ea"/>
-                <a:cs typeface="+mn-cs"/>
-                <a:hlinkClick r:id="rId3"/>
-              </a:rPr>
-              <a:t>duck typing</a:t>
-            </a:r>
-            <a:r>
-              <a:rPr lang="en-US" sz="1200" b="0" i="0" kern="1200" dirty="0" smtClean="0">
-                <a:solidFill>
-                  <a:schemeClr val="tx1"/>
-                </a:solidFill>
-                <a:effectLst/>
-                <a:latin typeface="+mn-lt"/>
-                <a:ea typeface="+mn-ea"/>
-                <a:cs typeface="+mn-cs"/>
-              </a:rPr>
-              <a:t>. If something walks, swims, and quacks like a duck, then it must be a duck. Similarly, if a </a:t>
-            </a:r>
-            <a:r>
-              <a:rPr lang="en-US" sz="1200" b="0" i="0" kern="1200" dirty="0" err="1" smtClean="0">
-                <a:solidFill>
-                  <a:schemeClr val="tx1"/>
-                </a:solidFill>
-                <a:effectLst/>
-                <a:latin typeface="+mn-lt"/>
-                <a:ea typeface="+mn-ea"/>
-                <a:cs typeface="+mn-cs"/>
-              </a:rPr>
-              <a:t>TypeScript</a:t>
-            </a:r>
-            <a:r>
-              <a:rPr lang="en-US" sz="1200" b="0" i="0" kern="1200" dirty="0" smtClean="0">
-                <a:solidFill>
-                  <a:schemeClr val="tx1"/>
-                </a:solidFill>
-                <a:effectLst/>
-                <a:latin typeface="+mn-lt"/>
-                <a:ea typeface="+mn-ea"/>
-                <a:cs typeface="+mn-cs"/>
-              </a:rPr>
-              <a:t> object has all of the properties specified on a particular interface, then that object may be used anywhere an object implementing that interface is expected.</a:t>
-            </a:r>
-          </a:p>
-          <a:p>
-            <a:endParaRPr lang="en-US" dirty="0" smtClean="0"/>
-          </a:p>
-          <a:p>
-            <a:r>
               <a:rPr lang="en-US" dirty="0" smtClean="0"/>
-              <a:t>https://www.bricewilson.net/2015/09/27/typescript-interfaces/</a:t>
-            </a:r>
-          </a:p>
-          <a:p>
-            <a:endParaRPr lang="en-US" dirty="0" smtClean="0"/>
-          </a:p>
-          <a:p>
-            <a:r>
-              <a:rPr lang="en-US" dirty="0" smtClean="0"/>
-              <a:t>https://www.tutorialspoint.com/typescript/typescript_interfaces.htm</a:t>
+              <a:t>Typescript</a:t>
+            </a:r>
+            <a:r>
+              <a:rPr lang="en-US" baseline="0" dirty="0" smtClean="0"/>
+              <a:t> provides the concept of annotations. This allows to add meta data to the application.</a:t>
             </a:r>
             <a:endParaRPr lang="en-US" dirty="0"/>
           </a:p>
@@ -8619,7 +8397,7 @@
           <a:bodyPr/>
           <a:lstStyle/>
           <a:p>
-            <a:fld id="{EB1F9770-9DD8-43BC-8316-D00590B68DF7}" type="slidenum">
+            <a:fld id="{9687E208-1B4B-A041-A1BB-6D46C6EE0456}" type="slidenum">
               <a:rPr lang="en-US" smtClean="0"/>
               <a:t>14</a:t>
             </a:fld>
@@ -8630,7 +8408,7 @@
     </p:spTree>
     <p:extLst>
       <p:ext uri="{BB962C8B-B14F-4D97-AF65-F5344CB8AC3E}">
-        <p14:creationId xmlns:p14="http://schemas.microsoft.com/office/powerpoint/2010/main" val="1011137844"/>
+        <p14:creationId xmlns:p14="http://schemas.microsoft.com/office/powerpoint/2010/main" val="2511481432"/>
       </p:ext>
     </p:extLst>
   </p:cSld>
@@ -8684,6 +8462,229 @@
           <a:bodyPr/>
           <a:lstStyle/>
           <a:p>
+            <a:r>
+              <a:rPr lang="en-US" sz="1200" b="0" i="0" kern="1200" dirty="0" smtClean="0">
+                <a:solidFill>
+                  <a:schemeClr val="tx1"/>
+                </a:solidFill>
+                <a:effectLst/>
+                <a:latin typeface="+mn-lt"/>
+                <a:ea typeface="+mn-ea"/>
+                <a:cs typeface="+mn-cs"/>
+              </a:rPr>
+              <a:t>Interfaces in </a:t>
+            </a:r>
+            <a:r>
+              <a:rPr lang="en-US" sz="1200" b="0" i="0" kern="1200" dirty="0" err="1" smtClean="0">
+                <a:solidFill>
+                  <a:schemeClr val="tx1"/>
+                </a:solidFill>
+                <a:effectLst/>
+                <a:latin typeface="+mn-lt"/>
+                <a:ea typeface="+mn-ea"/>
+                <a:cs typeface="+mn-cs"/>
+              </a:rPr>
+              <a:t>TypeScript</a:t>
+            </a:r>
+            <a:r>
+              <a:rPr lang="en-US" sz="1200" b="0" i="0" kern="1200" dirty="0" smtClean="0">
+                <a:solidFill>
+                  <a:schemeClr val="tx1"/>
+                </a:solidFill>
+                <a:effectLst/>
+                <a:latin typeface="+mn-lt"/>
+                <a:ea typeface="+mn-ea"/>
+                <a:cs typeface="+mn-cs"/>
+              </a:rPr>
+              <a:t> are similar to interfaces in many object-oriented programming languages. However, in </a:t>
+            </a:r>
+            <a:r>
+              <a:rPr lang="en-US" sz="1200" b="0" i="0" kern="1200" dirty="0" err="1" smtClean="0">
+                <a:solidFill>
+                  <a:schemeClr val="tx1"/>
+                </a:solidFill>
+                <a:effectLst/>
+                <a:latin typeface="+mn-lt"/>
+                <a:ea typeface="+mn-ea"/>
+                <a:cs typeface="+mn-cs"/>
+              </a:rPr>
+              <a:t>TypeScript</a:t>
+            </a:r>
+            <a:r>
+              <a:rPr lang="en-US" sz="1200" b="0" i="0" kern="1200" dirty="0" smtClean="0">
+                <a:solidFill>
+                  <a:schemeClr val="tx1"/>
+                </a:solidFill>
+                <a:effectLst/>
+                <a:latin typeface="+mn-lt"/>
+                <a:ea typeface="+mn-ea"/>
+                <a:cs typeface="+mn-cs"/>
+              </a:rPr>
+              <a:t>, they play the role of defining the "shape" of an object. Objects don't have to explicitly </a:t>
+            </a:r>
+            <a:r>
+              <a:rPr lang="en-US" sz="1200" b="0" i="1" kern="1200" dirty="0" smtClean="0">
+                <a:solidFill>
+                  <a:schemeClr val="tx1"/>
+                </a:solidFill>
+                <a:effectLst/>
+                <a:latin typeface="+mn-lt"/>
+                <a:ea typeface="+mn-ea"/>
+                <a:cs typeface="+mn-cs"/>
+              </a:rPr>
+              <a:t>implements </a:t>
+            </a:r>
+            <a:r>
+              <a:rPr lang="en-US" sz="1200" b="0" i="0" kern="1200" dirty="0" smtClean="0">
+                <a:solidFill>
+                  <a:schemeClr val="tx1"/>
+                </a:solidFill>
+                <a:effectLst/>
+                <a:latin typeface="+mn-lt"/>
+                <a:ea typeface="+mn-ea"/>
+                <a:cs typeface="+mn-cs"/>
+              </a:rPr>
+              <a:t>interfaces as you would in C# or Java. Instead, interfaces define the expected properties so that the type checker can verify an object with the expected properties is being used.</a:t>
+            </a:r>
+          </a:p>
+          <a:p>
+            <a:r>
+              <a:rPr lang="en-US" sz="1200" b="0" i="0" kern="1200" dirty="0" smtClean="0">
+                <a:solidFill>
+                  <a:schemeClr val="tx1"/>
+                </a:solidFill>
+                <a:effectLst/>
+                <a:latin typeface="+mn-lt"/>
+                <a:ea typeface="+mn-ea"/>
+                <a:cs typeface="+mn-cs"/>
+              </a:rPr>
+              <a:t>It often helps in providing a standard structure that the deriving classes would follow.</a:t>
+            </a:r>
+          </a:p>
+          <a:p>
+            <a:r>
+              <a:rPr lang="en-US" sz="1200" b="0" i="0" kern="1200" dirty="0" smtClean="0">
+                <a:solidFill>
+                  <a:schemeClr val="tx1"/>
+                </a:solidFill>
+                <a:effectLst/>
+                <a:latin typeface="+mn-lt"/>
+                <a:ea typeface="+mn-ea"/>
+                <a:cs typeface="+mn-cs"/>
+              </a:rPr>
+              <a:t>The following code defines an interface and a function that takes a parameter that adheres to that interface. A new object is then created and passed to the function.</a:t>
+            </a:r>
+          </a:p>
+          <a:p>
+            <a:endParaRPr lang="en-US" dirty="0" smtClean="0"/>
+          </a:p>
+          <a:p>
+            <a:endParaRPr lang="en-US" dirty="0" smtClean="0"/>
+          </a:p>
+          <a:p>
+            <a:r>
+              <a:rPr lang="en-US" sz="1200" b="0" i="0" kern="1200" dirty="0" smtClean="0">
+                <a:solidFill>
+                  <a:schemeClr val="tx1"/>
+                </a:solidFill>
+                <a:effectLst/>
+                <a:latin typeface="+mn-lt"/>
+                <a:ea typeface="+mn-ea"/>
+                <a:cs typeface="+mn-cs"/>
+              </a:rPr>
+              <a:t>Interfaces in </a:t>
+            </a:r>
+            <a:r>
+              <a:rPr lang="en-US" sz="1200" b="0" i="0" kern="1200" dirty="0" err="1" smtClean="0">
+                <a:solidFill>
+                  <a:schemeClr val="tx1"/>
+                </a:solidFill>
+                <a:effectLst/>
+                <a:latin typeface="+mn-lt"/>
+                <a:ea typeface="+mn-ea"/>
+                <a:cs typeface="+mn-cs"/>
+              </a:rPr>
+              <a:t>TypeScript</a:t>
+            </a:r>
+            <a:r>
+              <a:rPr lang="en-US" sz="1200" b="0" i="0" kern="1200" dirty="0" smtClean="0">
+                <a:solidFill>
+                  <a:schemeClr val="tx1"/>
+                </a:solidFill>
+                <a:effectLst/>
+                <a:latin typeface="+mn-lt"/>
+                <a:ea typeface="+mn-ea"/>
+                <a:cs typeface="+mn-cs"/>
+              </a:rPr>
+              <a:t> are a form of </a:t>
+            </a:r>
+            <a:r>
+              <a:rPr lang="en-US" sz="1200" b="0" i="0" u="none" strike="noStrike" kern="1200" dirty="0" smtClean="0">
+                <a:solidFill>
+                  <a:schemeClr val="tx1"/>
+                </a:solidFill>
+                <a:effectLst/>
+                <a:latin typeface="+mn-lt"/>
+                <a:ea typeface="+mn-ea"/>
+                <a:cs typeface="+mn-cs"/>
+                <a:hlinkClick r:id="rId3"/>
+              </a:rPr>
+              <a:t>duck typing</a:t>
+            </a:r>
+            <a:r>
+              <a:rPr lang="en-US" sz="1200" b="0" i="0" kern="1200" dirty="0" smtClean="0">
+                <a:solidFill>
+                  <a:schemeClr val="tx1"/>
+                </a:solidFill>
+                <a:effectLst/>
+                <a:latin typeface="+mn-lt"/>
+                <a:ea typeface="+mn-ea"/>
+                <a:cs typeface="+mn-cs"/>
+              </a:rPr>
+              <a:t>. If something walks, swims, and quacks like a duck, then it must be a duck. Similarly, if a </a:t>
+            </a:r>
+            <a:r>
+              <a:rPr lang="en-US" sz="1200" b="0" i="0" kern="1200" dirty="0" err="1" smtClean="0">
+                <a:solidFill>
+                  <a:schemeClr val="tx1"/>
+                </a:solidFill>
+                <a:effectLst/>
+                <a:latin typeface="+mn-lt"/>
+                <a:ea typeface="+mn-ea"/>
+                <a:cs typeface="+mn-cs"/>
+              </a:rPr>
+              <a:t>TypeScript</a:t>
+            </a:r>
+            <a:r>
+              <a:rPr lang="en-US" sz="1200" b="0" i="0" kern="1200" dirty="0" smtClean="0">
+                <a:solidFill>
+                  <a:schemeClr val="tx1"/>
+                </a:solidFill>
+                <a:effectLst/>
+                <a:latin typeface="+mn-lt"/>
+                <a:ea typeface="+mn-ea"/>
+                <a:cs typeface="+mn-cs"/>
+              </a:rPr>
+              <a:t> object has all of the properties specified on a particular interface, then that object may be used anywhere an object implementing that interface is expected.</a:t>
+            </a:r>
+          </a:p>
+          <a:p>
+            <a:endParaRPr lang="en-US" dirty="0" smtClean="0"/>
+          </a:p>
+          <a:p>
+            <a:r>
+              <a:rPr lang="en-US" dirty="0" smtClean="0"/>
+              <a:t>https://www.bricewilson.net/2015/09/27/typescript-interfaces/</a:t>
+            </a:r>
+          </a:p>
+          <a:p>
+            <a:endParaRPr lang="en-US" dirty="0" smtClean="0"/>
+          </a:p>
+          <a:p>
+            <a:r>
+              <a:rPr lang="en-US" dirty="0" smtClean="0"/>
+              <a:t>https://www.tutorialspoint.com/typescript/typescript_interfaces.htm</a:t>
+            </a:r>
             <a:endParaRPr lang="en-US" dirty="0"/>
           </a:p>
         </p:txBody>
@@ -8714,7 +8715,7 @@
     </p:spTree>
     <p:extLst>
       <p:ext uri="{BB962C8B-B14F-4D97-AF65-F5344CB8AC3E}">
-        <p14:creationId xmlns:p14="http://schemas.microsoft.com/office/powerpoint/2010/main" val="2340376709"/>
+        <p14:creationId xmlns:p14="http://schemas.microsoft.com/office/powerpoint/2010/main" val="1011137844"/>
       </p:ext>
     </p:extLst>
   </p:cSld>
@@ -8768,308 +8769,6 @@
           <a:bodyPr/>
           <a:lstStyle/>
           <a:p>
-            <a:r>
-              <a:rPr lang="en-US" dirty="0" err="1" smtClean="0"/>
-              <a:t>TypeScript</a:t>
-            </a:r>
-            <a:r>
-              <a:rPr lang="en-US" dirty="0" smtClean="0"/>
-              <a:t> supports the concept of Inheritance. Inheritance is the ability of a program to create new classes from an existing class. The class that is extended to create newer classes is called the parent class/super class. The newly created classes are called the child/sub classes.</a:t>
-            </a:r>
-          </a:p>
-          <a:p>
-            <a:endParaRPr lang="en-US" dirty="0" smtClean="0"/>
-          </a:p>
-          <a:p>
-            <a:r>
-              <a:rPr lang="en-US" dirty="0" smtClean="0"/>
-              <a:t>A class inherits from another class using the ‘extends’ keyword. Child classes inherit all properties and methods except constructors from the parent class.</a:t>
-            </a:r>
-          </a:p>
-          <a:p>
-            <a:endParaRPr lang="en-US" dirty="0" smtClean="0"/>
-          </a:p>
-          <a:p>
-            <a:r>
-              <a:rPr lang="en-US" dirty="0" smtClean="0"/>
-              <a:t>class Shape { </a:t>
-            </a:r>
-          </a:p>
-          <a:p>
-            <a:r>
-              <a:rPr lang="en-US" dirty="0" smtClean="0"/>
-              <a:t>   </a:t>
-            </a:r>
-            <a:r>
-              <a:rPr lang="en-US" dirty="0" err="1" smtClean="0"/>
-              <a:t>Area:number</a:t>
-            </a:r>
-            <a:r>
-              <a:rPr lang="en-US" dirty="0" smtClean="0"/>
-              <a:t> </a:t>
-            </a:r>
-          </a:p>
-          <a:p>
-            <a:r>
-              <a:rPr lang="en-US" dirty="0" smtClean="0"/>
-              <a:t>   </a:t>
-            </a:r>
-          </a:p>
-          <a:p>
-            <a:r>
-              <a:rPr lang="en-US" dirty="0" smtClean="0"/>
-              <a:t>   constructor(</a:t>
-            </a:r>
-            <a:r>
-              <a:rPr lang="en-US" dirty="0" err="1" smtClean="0"/>
-              <a:t>a:number</a:t>
-            </a:r>
-            <a:r>
-              <a:rPr lang="en-US" dirty="0" smtClean="0"/>
-              <a:t>) { </a:t>
-            </a:r>
-          </a:p>
-          <a:p>
-            <a:r>
-              <a:rPr lang="en-US" dirty="0" smtClean="0"/>
-              <a:t>      </a:t>
-            </a:r>
-            <a:r>
-              <a:rPr lang="en-US" dirty="0" err="1" smtClean="0"/>
-              <a:t>this.Area</a:t>
-            </a:r>
-            <a:r>
-              <a:rPr lang="en-US" dirty="0" smtClean="0"/>
-              <a:t> = a </a:t>
-            </a:r>
-          </a:p>
-          <a:p>
-            <a:r>
-              <a:rPr lang="en-US" dirty="0" smtClean="0"/>
-              <a:t>   } </a:t>
-            </a:r>
-          </a:p>
-          <a:p>
-            <a:r>
-              <a:rPr lang="en-US" dirty="0" smtClean="0"/>
-              <a:t>} </a:t>
-            </a:r>
-          </a:p>
-          <a:p>
-            <a:endParaRPr lang="en-US" dirty="0" smtClean="0"/>
-          </a:p>
-          <a:p>
-            <a:r>
-              <a:rPr lang="en-US" dirty="0" smtClean="0"/>
-              <a:t>class Circle extends Shape { </a:t>
-            </a:r>
-          </a:p>
-          <a:p>
-            <a:r>
-              <a:rPr lang="en-US" dirty="0" smtClean="0"/>
-              <a:t>   </a:t>
-            </a:r>
-            <a:r>
-              <a:rPr lang="en-US" dirty="0" err="1" smtClean="0"/>
-              <a:t>disp</a:t>
-            </a:r>
-            <a:r>
-              <a:rPr lang="en-US" dirty="0" smtClean="0"/>
-              <a:t>():void { </a:t>
-            </a:r>
-          </a:p>
-          <a:p>
-            <a:r>
-              <a:rPr lang="en-US" dirty="0" smtClean="0"/>
-              <a:t>      console.log("Area of the circle:  "+</a:t>
-            </a:r>
-            <a:r>
-              <a:rPr lang="en-US" dirty="0" err="1" smtClean="0"/>
-              <a:t>this.Area</a:t>
-            </a:r>
-            <a:r>
-              <a:rPr lang="en-US" dirty="0" smtClean="0"/>
-              <a:t>) </a:t>
-            </a:r>
-          </a:p>
-          <a:p>
-            <a:r>
-              <a:rPr lang="en-US" dirty="0" smtClean="0"/>
-              <a:t>   } </a:t>
-            </a:r>
-          </a:p>
-          <a:p>
-            <a:r>
-              <a:rPr lang="en-US" dirty="0" smtClean="0"/>
-              <a:t>}</a:t>
-            </a:r>
-          </a:p>
-          <a:p>
-            <a:r>
-              <a:rPr lang="en-US" dirty="0" smtClean="0"/>
-              <a:t>  </a:t>
-            </a:r>
-          </a:p>
-          <a:p>
-            <a:r>
-              <a:rPr lang="en-US" dirty="0" err="1" smtClean="0"/>
-              <a:t>var</a:t>
-            </a:r>
-            <a:r>
-              <a:rPr lang="en-US" dirty="0" smtClean="0"/>
-              <a:t> </a:t>
-            </a:r>
-            <a:r>
-              <a:rPr lang="en-US" dirty="0" err="1" smtClean="0"/>
-              <a:t>obj</a:t>
-            </a:r>
-            <a:r>
-              <a:rPr lang="en-US" dirty="0" smtClean="0"/>
-              <a:t> = new Circle(223); </a:t>
-            </a:r>
-          </a:p>
-          <a:p>
-            <a:r>
-              <a:rPr lang="en-US" dirty="0" err="1" smtClean="0"/>
-              <a:t>obj.disp</a:t>
-            </a:r>
-            <a:r>
-              <a:rPr lang="en-US" dirty="0" smtClean="0"/>
-              <a:t>()</a:t>
-            </a:r>
-          </a:p>
-          <a:p>
-            <a:endParaRPr lang="en-US" dirty="0" smtClean="0"/>
-          </a:p>
-          <a:p>
-            <a:r>
-              <a:rPr lang="en-US" dirty="0" smtClean="0"/>
-              <a:t>Inheritance can be classified as −</a:t>
-            </a:r>
-          </a:p>
-          <a:p>
-            <a:endParaRPr lang="en-US" dirty="0" smtClean="0"/>
-          </a:p>
-          <a:p>
-            <a:r>
-              <a:rPr lang="en-US" dirty="0" smtClean="0"/>
-              <a:t>Single − Every class can at the most extend from one parent class</a:t>
-            </a:r>
-          </a:p>
-          <a:p>
-            <a:endParaRPr lang="en-US" dirty="0" smtClean="0"/>
-          </a:p>
-          <a:p>
-            <a:r>
-              <a:rPr lang="en-US" dirty="0" smtClean="0"/>
-              <a:t>Multiple − A class can inherit from multiple classes. </a:t>
-            </a:r>
-            <a:r>
-              <a:rPr lang="en-US" dirty="0" err="1" smtClean="0"/>
-              <a:t>TypeScript</a:t>
-            </a:r>
-            <a:r>
-              <a:rPr lang="en-US" dirty="0" smtClean="0"/>
-              <a:t> doesn’t support multiple inheritance.</a:t>
-            </a:r>
-          </a:p>
-          <a:p>
-            <a:endParaRPr lang="en-US" dirty="0" smtClean="0"/>
-          </a:p>
-          <a:p>
-            <a:r>
-              <a:rPr lang="en-US" dirty="0" smtClean="0"/>
-              <a:t>Multi-level − The following example shows how multi-level inheritance works.</a:t>
-            </a:r>
-          </a:p>
-          <a:p>
-            <a:endParaRPr lang="en-US" dirty="0" smtClean="0"/>
-          </a:p>
-          <a:p>
-            <a:r>
-              <a:rPr lang="en-US" dirty="0" smtClean="0"/>
-              <a:t>class Root { </a:t>
-            </a:r>
-          </a:p>
-          <a:p>
-            <a:r>
-              <a:rPr lang="en-US" dirty="0" smtClean="0"/>
-              <a:t>   </a:t>
-            </a:r>
-            <a:r>
-              <a:rPr lang="en-US" dirty="0" err="1" smtClean="0"/>
-              <a:t>str:string</a:t>
-            </a:r>
-            <a:r>
-              <a:rPr lang="en-US" dirty="0" smtClean="0"/>
-              <a:t>; </a:t>
-            </a:r>
-          </a:p>
-          <a:p>
-            <a:r>
-              <a:rPr lang="en-US" dirty="0" smtClean="0"/>
-              <a:t>} </a:t>
-            </a:r>
-          </a:p>
-          <a:p>
-            <a:endParaRPr lang="en-US" dirty="0" smtClean="0"/>
-          </a:p>
-          <a:p>
-            <a:r>
-              <a:rPr lang="en-US" dirty="0" smtClean="0"/>
-              <a:t>class Child extends Root {} </a:t>
-            </a:r>
-          </a:p>
-          <a:p>
-            <a:r>
-              <a:rPr lang="en-US" dirty="0" smtClean="0"/>
-              <a:t>class Leaf extends Child {} //indirectly inherits from Root by virtue of inheritance  </a:t>
-            </a:r>
-          </a:p>
-          <a:p>
-            <a:endParaRPr lang="en-US" dirty="0" smtClean="0"/>
-          </a:p>
-          <a:p>
-            <a:r>
-              <a:rPr lang="en-US" dirty="0" err="1" smtClean="0"/>
-              <a:t>var</a:t>
-            </a:r>
-            <a:r>
-              <a:rPr lang="en-US" dirty="0" smtClean="0"/>
-              <a:t> </a:t>
-            </a:r>
-            <a:r>
-              <a:rPr lang="en-US" dirty="0" err="1" smtClean="0"/>
-              <a:t>obj</a:t>
-            </a:r>
-            <a:r>
-              <a:rPr lang="en-US" dirty="0" smtClean="0"/>
-              <a:t> = new Leaf(); </a:t>
-            </a:r>
-          </a:p>
-          <a:p>
-            <a:r>
-              <a:rPr lang="en-US" dirty="0" err="1" smtClean="0"/>
-              <a:t>obj.str</a:t>
-            </a:r>
-            <a:r>
-              <a:rPr lang="en-US" dirty="0" smtClean="0"/>
-              <a:t> ="hello" </a:t>
-            </a:r>
-          </a:p>
-          <a:p>
-            <a:r>
-              <a:rPr lang="en-US" dirty="0" smtClean="0"/>
-              <a:t>console.log(</a:t>
-            </a:r>
-            <a:r>
-              <a:rPr lang="en-US" dirty="0" err="1" smtClean="0"/>
-              <a:t>obj.str</a:t>
-            </a:r>
-            <a:r>
-              <a:rPr lang="en-US" dirty="0" smtClean="0"/>
-              <a:t>)</a:t>
-            </a:r>
             <a:endParaRPr lang="en-US" dirty="0"/>
           </a:p>
         </p:txBody>
@@ -9100,7 +8799,7 @@
     </p:spTree>
     <p:extLst>
       <p:ext uri="{BB962C8B-B14F-4D97-AF65-F5344CB8AC3E}">
-        <p14:creationId xmlns:p14="http://schemas.microsoft.com/office/powerpoint/2010/main" val="3291696188"/>
+        <p14:creationId xmlns:p14="http://schemas.microsoft.com/office/powerpoint/2010/main" val="2340376709"/>
       </p:ext>
     </p:extLst>
   </p:cSld>
@@ -9155,608 +8854,307 @@
           <a:lstStyle/>
           <a:p>
             <a:r>
-              <a:rPr lang="en-US" sz="1200" b="0" i="0" kern="1200" dirty="0" err="1" smtClean="0">
-                <a:solidFill>
-                  <a:schemeClr val="tx1"/>
-                </a:solidFill>
-                <a:effectLst/>
-                <a:latin typeface="+mn-lt"/>
-                <a:ea typeface="+mn-ea"/>
-                <a:cs typeface="+mn-cs"/>
-              </a:rPr>
-              <a:t>Enums</a:t>
-            </a:r>
-            <a:r>
-              <a:rPr lang="en-US" sz="1200" b="0" i="0" kern="1200" dirty="0" smtClean="0">
-                <a:solidFill>
-                  <a:schemeClr val="tx1"/>
-                </a:solidFill>
-                <a:effectLst/>
-                <a:latin typeface="+mn-lt"/>
-                <a:ea typeface="+mn-ea"/>
-                <a:cs typeface="+mn-cs"/>
-              </a:rPr>
-              <a:t> allow us to define a set of named numeric constants. An </a:t>
-            </a:r>
-            <a:r>
-              <a:rPr lang="en-US" sz="1200" b="0" i="0" kern="1200" dirty="0" err="1" smtClean="0">
-                <a:solidFill>
-                  <a:schemeClr val="tx1"/>
-                </a:solidFill>
-                <a:effectLst/>
-                <a:latin typeface="+mn-lt"/>
-                <a:ea typeface="+mn-ea"/>
-                <a:cs typeface="+mn-cs"/>
-              </a:rPr>
-              <a:t>enum</a:t>
-            </a:r>
-            <a:r>
-              <a:rPr lang="en-US" sz="1200" b="0" i="0" kern="1200" dirty="0" smtClean="0">
-                <a:solidFill>
-                  <a:schemeClr val="tx1"/>
-                </a:solidFill>
-                <a:effectLst/>
-                <a:latin typeface="+mn-lt"/>
-                <a:ea typeface="+mn-ea"/>
-                <a:cs typeface="+mn-cs"/>
-              </a:rPr>
-              <a:t> can be defined using the </a:t>
-            </a:r>
-            <a:r>
-              <a:rPr lang="en-US" sz="1200" b="0" i="0" kern="1200" dirty="0" err="1" smtClean="0">
-                <a:solidFill>
-                  <a:schemeClr val="tx1"/>
-                </a:solidFill>
-                <a:effectLst/>
-                <a:latin typeface="+mn-lt"/>
-                <a:ea typeface="+mn-ea"/>
-                <a:cs typeface="+mn-cs"/>
-              </a:rPr>
-              <a:t>enum</a:t>
-            </a:r>
-            <a:r>
-              <a:rPr lang="en-US" sz="1200" b="0" i="0" kern="1200" dirty="0" smtClean="0">
-                <a:solidFill>
-                  <a:schemeClr val="tx1"/>
-                </a:solidFill>
-                <a:effectLst/>
-                <a:latin typeface="+mn-lt"/>
-                <a:ea typeface="+mn-ea"/>
-                <a:cs typeface="+mn-cs"/>
-              </a:rPr>
-              <a:t> keyword.</a:t>
-            </a:r>
-          </a:p>
-          <a:p>
+              <a:rPr lang="en-US" dirty="0" err="1" smtClean="0"/>
+              <a:t>TypeScript</a:t>
+            </a:r>
             <a:r>
               <a:rPr lang="en-US" dirty="0" smtClean="0"/>
-              <a:t/>
-            </a:r>
-            <a:br>
+              <a:t> supports the concept of Inheritance. Inheritance is the ability of a program to create new classes from an existing class. The class that is extended to create newer classes is called the parent class/super class. The newly created classes are called the child/sub classes.</a:t>
+            </a:r>
+          </a:p>
+          <a:p>
+            <a:endParaRPr lang="en-US" dirty="0" smtClean="0"/>
+          </a:p>
+          <a:p>
+            <a:r>
               <a:rPr lang="en-US" dirty="0" smtClean="0"/>
-            </a:br>
-            <a:r>
-              <a:rPr lang="en-US" sz="1200" b="0" i="0" kern="1200" dirty="0" err="1" smtClean="0">
-                <a:solidFill>
-                  <a:schemeClr val="tx1"/>
-                </a:solidFill>
-                <a:effectLst/>
-                <a:latin typeface="+mn-lt"/>
-                <a:ea typeface="+mn-ea"/>
-                <a:cs typeface="+mn-cs"/>
-              </a:rPr>
-              <a:t>Enums</a:t>
-            </a:r>
-            <a:r>
-              <a:rPr lang="en-US" sz="1200" b="0" i="0" kern="1200" dirty="0" smtClean="0">
-                <a:solidFill>
-                  <a:schemeClr val="tx1"/>
-                </a:solidFill>
-                <a:effectLst/>
-                <a:latin typeface="+mn-lt"/>
-                <a:ea typeface="+mn-ea"/>
-                <a:cs typeface="+mn-cs"/>
-              </a:rPr>
-              <a:t> are real objects that exist at runtime. One reason is the ability to maintain a reverse mapping from </a:t>
-            </a:r>
-            <a:r>
-              <a:rPr lang="en-US" sz="1200" b="0" i="0" kern="1200" dirty="0" err="1" smtClean="0">
-                <a:solidFill>
-                  <a:schemeClr val="tx1"/>
-                </a:solidFill>
-                <a:effectLst/>
-                <a:latin typeface="+mn-lt"/>
-                <a:ea typeface="+mn-ea"/>
-                <a:cs typeface="+mn-cs"/>
-              </a:rPr>
-              <a:t>enum</a:t>
-            </a:r>
-            <a:r>
-              <a:rPr lang="en-US" sz="1200" b="0" i="0" kern="1200" dirty="0" smtClean="0">
-                <a:solidFill>
-                  <a:schemeClr val="tx1"/>
-                </a:solidFill>
-                <a:effectLst/>
-                <a:latin typeface="+mn-lt"/>
-                <a:ea typeface="+mn-ea"/>
-                <a:cs typeface="+mn-cs"/>
-              </a:rPr>
-              <a:t> values to </a:t>
-            </a:r>
-            <a:r>
-              <a:rPr lang="en-US" sz="1200" b="0" i="0" kern="1200" dirty="0" err="1" smtClean="0">
-                <a:solidFill>
-                  <a:schemeClr val="tx1"/>
-                </a:solidFill>
-                <a:effectLst/>
-                <a:latin typeface="+mn-lt"/>
-                <a:ea typeface="+mn-ea"/>
-                <a:cs typeface="+mn-cs"/>
-              </a:rPr>
-              <a:t>enum</a:t>
-            </a:r>
-            <a:r>
-              <a:rPr lang="en-US" sz="1200" b="0" i="0" kern="1200" dirty="0" smtClean="0">
-                <a:solidFill>
-                  <a:schemeClr val="tx1"/>
-                </a:solidFill>
-                <a:effectLst/>
-                <a:latin typeface="+mn-lt"/>
-                <a:ea typeface="+mn-ea"/>
-                <a:cs typeface="+mn-cs"/>
-              </a:rPr>
-              <a:t> names.</a:t>
-            </a:r>
-          </a:p>
-          <a:p>
-            <a:endParaRPr lang="en-US" b="1" dirty="0" smtClean="0">
-              <a:effectLst/>
-            </a:endParaRPr>
-          </a:p>
-          <a:p>
-            <a:r>
-              <a:rPr lang="en-US" sz="1200" b="0" i="0" kern="1200" dirty="0" smtClean="0">
-                <a:solidFill>
-                  <a:schemeClr val="tx1"/>
-                </a:solidFill>
-                <a:effectLst/>
-                <a:latin typeface="+mn-lt"/>
-                <a:ea typeface="+mn-ea"/>
-                <a:cs typeface="+mn-cs"/>
-              </a:rPr>
-              <a:t>The body of an </a:t>
-            </a:r>
-            <a:r>
-              <a:rPr lang="en-US" sz="1200" b="0" i="0" kern="1200" dirty="0" err="1" smtClean="0">
-                <a:solidFill>
-                  <a:schemeClr val="tx1"/>
-                </a:solidFill>
-                <a:effectLst/>
-                <a:latin typeface="+mn-lt"/>
-                <a:ea typeface="+mn-ea"/>
-                <a:cs typeface="+mn-cs"/>
-              </a:rPr>
-              <a:t>enum</a:t>
-            </a:r>
-            <a:r>
-              <a:rPr lang="en-US" sz="1200" b="0" i="0" kern="1200" dirty="0" smtClean="0">
-                <a:solidFill>
-                  <a:schemeClr val="tx1"/>
-                </a:solidFill>
-                <a:effectLst/>
-                <a:latin typeface="+mn-lt"/>
-                <a:ea typeface="+mn-ea"/>
-                <a:cs typeface="+mn-cs"/>
-              </a:rPr>
-              <a:t> consists of zero or more </a:t>
-            </a:r>
-            <a:r>
-              <a:rPr lang="en-US" sz="1200" b="0" i="0" kern="1200" dirty="0" err="1" smtClean="0">
-                <a:solidFill>
-                  <a:schemeClr val="tx1"/>
-                </a:solidFill>
-                <a:effectLst/>
-                <a:latin typeface="+mn-lt"/>
-                <a:ea typeface="+mn-ea"/>
-                <a:cs typeface="+mn-cs"/>
-              </a:rPr>
-              <a:t>enum</a:t>
-            </a:r>
-            <a:r>
-              <a:rPr lang="en-US" sz="1200" b="0" i="0" kern="1200" dirty="0" smtClean="0">
-                <a:solidFill>
-                  <a:schemeClr val="tx1"/>
-                </a:solidFill>
-                <a:effectLst/>
-                <a:latin typeface="+mn-lt"/>
-                <a:ea typeface="+mn-ea"/>
-                <a:cs typeface="+mn-cs"/>
-              </a:rPr>
-              <a:t> members. </a:t>
-            </a:r>
-            <a:r>
-              <a:rPr lang="en-US" sz="1200" b="0" i="0" kern="1200" dirty="0" err="1" smtClean="0">
-                <a:solidFill>
-                  <a:schemeClr val="tx1"/>
-                </a:solidFill>
-                <a:effectLst/>
-                <a:latin typeface="+mn-lt"/>
-                <a:ea typeface="+mn-ea"/>
-                <a:cs typeface="+mn-cs"/>
-              </a:rPr>
-              <a:t>Enum</a:t>
-            </a:r>
-            <a:r>
-              <a:rPr lang="en-US" sz="1200" b="0" i="0" kern="1200" dirty="0" smtClean="0">
-                <a:solidFill>
-                  <a:schemeClr val="tx1"/>
-                </a:solidFill>
-                <a:effectLst/>
-                <a:latin typeface="+mn-lt"/>
-                <a:ea typeface="+mn-ea"/>
-                <a:cs typeface="+mn-cs"/>
-              </a:rPr>
-              <a:t> members have numeric value associated with them and can be either </a:t>
-            </a:r>
-            <a:r>
-              <a:rPr lang="en-US" sz="1200" b="0" i="1" kern="1200" dirty="0" smtClean="0">
-                <a:solidFill>
-                  <a:schemeClr val="tx1"/>
-                </a:solidFill>
-                <a:effectLst/>
-                <a:latin typeface="+mn-lt"/>
-                <a:ea typeface="+mn-ea"/>
-                <a:cs typeface="+mn-cs"/>
-              </a:rPr>
-              <a:t>constant</a:t>
-            </a:r>
-            <a:r>
-              <a:rPr lang="en-US" sz="1200" b="0" i="0" kern="1200" dirty="0" smtClean="0">
-                <a:solidFill>
-                  <a:schemeClr val="tx1"/>
-                </a:solidFill>
-                <a:effectLst/>
-                <a:latin typeface="+mn-lt"/>
-                <a:ea typeface="+mn-ea"/>
-                <a:cs typeface="+mn-cs"/>
-              </a:rPr>
-              <a:t> or </a:t>
-            </a:r>
-            <a:r>
-              <a:rPr lang="en-US" sz="1200" b="0" i="1" kern="1200" dirty="0" smtClean="0">
-                <a:solidFill>
-                  <a:schemeClr val="tx1"/>
-                </a:solidFill>
-                <a:effectLst/>
-                <a:latin typeface="+mn-lt"/>
-                <a:ea typeface="+mn-ea"/>
-                <a:cs typeface="+mn-cs"/>
-              </a:rPr>
-              <a:t>computed</a:t>
-            </a:r>
-            <a:r>
-              <a:rPr lang="en-US" sz="1200" b="0" i="0" kern="1200" dirty="0" smtClean="0">
-                <a:solidFill>
-                  <a:schemeClr val="tx1"/>
-                </a:solidFill>
-                <a:effectLst/>
-                <a:latin typeface="+mn-lt"/>
-                <a:ea typeface="+mn-ea"/>
-                <a:cs typeface="+mn-cs"/>
-              </a:rPr>
-              <a:t>. An </a:t>
-            </a:r>
-            <a:r>
-              <a:rPr lang="en-US" sz="1200" b="0" i="0" kern="1200" dirty="0" err="1" smtClean="0">
-                <a:solidFill>
-                  <a:schemeClr val="tx1"/>
-                </a:solidFill>
-                <a:effectLst/>
-                <a:latin typeface="+mn-lt"/>
-                <a:ea typeface="+mn-ea"/>
-                <a:cs typeface="+mn-cs"/>
-              </a:rPr>
-              <a:t>enum</a:t>
-            </a:r>
-            <a:r>
-              <a:rPr lang="en-US" sz="1200" b="0" i="0" kern="1200" dirty="0" smtClean="0">
-                <a:solidFill>
-                  <a:schemeClr val="tx1"/>
-                </a:solidFill>
-                <a:effectLst/>
-                <a:latin typeface="+mn-lt"/>
-                <a:ea typeface="+mn-ea"/>
-                <a:cs typeface="+mn-cs"/>
-              </a:rPr>
-              <a:t> member is considered constant if:</a:t>
-            </a:r>
-          </a:p>
-          <a:p>
-            <a:endParaRPr lang="en-US" sz="1200" b="0" i="0" kern="1200" dirty="0" smtClean="0">
-              <a:solidFill>
-                <a:schemeClr val="tx1"/>
-              </a:solidFill>
-              <a:effectLst/>
-              <a:latin typeface="+mn-lt"/>
-              <a:ea typeface="+mn-ea"/>
-              <a:cs typeface="+mn-cs"/>
-            </a:endParaRPr>
-          </a:p>
-          <a:p>
-            <a:r>
-              <a:rPr lang="en-US" sz="1200" b="0" i="0" kern="1200" dirty="0" smtClean="0">
-                <a:solidFill>
-                  <a:schemeClr val="tx1"/>
-                </a:solidFill>
-                <a:effectLst/>
-                <a:latin typeface="+mn-lt"/>
-                <a:ea typeface="+mn-ea"/>
-                <a:cs typeface="+mn-cs"/>
-              </a:rPr>
-              <a:t>//////</a:t>
-            </a:r>
-          </a:p>
-          <a:p>
-            <a:endParaRPr lang="en-US" sz="1200" b="0" i="0" kern="1200" dirty="0" smtClean="0">
-              <a:solidFill>
-                <a:schemeClr val="tx1"/>
-              </a:solidFill>
-              <a:effectLst/>
-              <a:latin typeface="+mn-lt"/>
-              <a:ea typeface="+mn-ea"/>
-              <a:cs typeface="+mn-cs"/>
-            </a:endParaRPr>
-          </a:p>
-          <a:p>
-            <a:r>
-              <a:rPr lang="en-US" sz="1200" b="0" i="0" kern="1200" dirty="0" smtClean="0">
-                <a:solidFill>
-                  <a:schemeClr val="tx1"/>
-                </a:solidFill>
-                <a:effectLst/>
-                <a:latin typeface="+mn-lt"/>
-                <a:ea typeface="+mn-ea"/>
-                <a:cs typeface="+mn-cs"/>
-              </a:rPr>
-              <a:t>An </a:t>
-            </a:r>
-            <a:r>
-              <a:rPr lang="en-US" sz="1200" b="0" i="0" kern="1200" dirty="0" err="1" smtClean="0">
-                <a:solidFill>
-                  <a:schemeClr val="tx1"/>
-                </a:solidFill>
-                <a:effectLst/>
-                <a:latin typeface="+mn-lt"/>
-                <a:ea typeface="+mn-ea"/>
-                <a:cs typeface="+mn-cs"/>
-              </a:rPr>
-              <a:t>enum</a:t>
-            </a:r>
-            <a:r>
-              <a:rPr lang="en-US" sz="1200" b="0" i="0" kern="1200" dirty="0" smtClean="0">
-                <a:solidFill>
-                  <a:schemeClr val="tx1"/>
-                </a:solidFill>
-                <a:effectLst/>
-                <a:latin typeface="+mn-lt"/>
-                <a:ea typeface="+mn-ea"/>
-                <a:cs typeface="+mn-cs"/>
-              </a:rPr>
-              <a:t> is a way to organize a collection of related values. Many other programming languages (C/C#/Java) have an </a:t>
+              <a:t>A class inherits from another class using the ‘extends’ keyword. Child classes inherit all properties and methods except constructors from the parent class.</a:t>
+            </a:r>
+          </a:p>
+          <a:p>
+            <a:endParaRPr lang="en-US" dirty="0" smtClean="0"/>
+          </a:p>
+          <a:p>
+            <a:r>
+              <a:rPr lang="en-US" dirty="0" smtClean="0"/>
+              <a:t>class Shape { </a:t>
+            </a:r>
+          </a:p>
+          <a:p>
+            <a:r>
+              <a:rPr lang="en-US" dirty="0" smtClean="0"/>
+              <a:t>   </a:t>
             </a:r>
             <a:r>
               <a:rPr lang="en-US" dirty="0" err="1" smtClean="0"/>
-              <a:t>enum</a:t>
-            </a:r>
-            <a:r>
-              <a:rPr lang="en-US" sz="1200" b="0" i="0" kern="1200" dirty="0" smtClean="0">
-                <a:solidFill>
-                  <a:schemeClr val="tx1"/>
-                </a:solidFill>
-                <a:effectLst/>
-                <a:latin typeface="+mn-lt"/>
-                <a:ea typeface="+mn-ea"/>
-                <a:cs typeface="+mn-cs"/>
-              </a:rPr>
-              <a:t> data type but JavaScript does not. However </a:t>
-            </a:r>
-            <a:r>
-              <a:rPr lang="en-US" sz="1200" b="0" i="0" kern="1200" dirty="0" err="1" smtClean="0">
-                <a:solidFill>
-                  <a:schemeClr val="tx1"/>
-                </a:solidFill>
-                <a:effectLst/>
-                <a:latin typeface="+mn-lt"/>
-                <a:ea typeface="+mn-ea"/>
-                <a:cs typeface="+mn-cs"/>
-              </a:rPr>
+              <a:t>Area:number</a:t>
+            </a:r>
+            <a:r>
+              <a:rPr lang="en-US" dirty="0" smtClean="0"/>
+              <a:t> </a:t>
+            </a:r>
+          </a:p>
+          <a:p>
+            <a:r>
+              <a:rPr lang="en-US" dirty="0" smtClean="0"/>
+              <a:t>   </a:t>
+            </a:r>
+          </a:p>
+          <a:p>
+            <a:r>
+              <a:rPr lang="en-US" dirty="0" smtClean="0"/>
+              <a:t>   constructor(</a:t>
+            </a:r>
+            <a:r>
+              <a:rPr lang="en-US" dirty="0" err="1" smtClean="0"/>
+              <a:t>a:number</a:t>
+            </a:r>
+            <a:r>
+              <a:rPr lang="en-US" dirty="0" smtClean="0"/>
+              <a:t>) { </a:t>
+            </a:r>
+          </a:p>
+          <a:p>
+            <a:r>
+              <a:rPr lang="en-US" dirty="0" smtClean="0"/>
+              <a:t>      </a:t>
+            </a:r>
+            <a:r>
+              <a:rPr lang="en-US" dirty="0" err="1" smtClean="0"/>
+              <a:t>this.Area</a:t>
+            </a:r>
+            <a:r>
+              <a:rPr lang="en-US" dirty="0" smtClean="0"/>
+              <a:t> = a </a:t>
+            </a:r>
+          </a:p>
+          <a:p>
+            <a:r>
+              <a:rPr lang="en-US" dirty="0" smtClean="0"/>
+              <a:t>   } </a:t>
+            </a:r>
+          </a:p>
+          <a:p>
+            <a:r>
+              <a:rPr lang="en-US" dirty="0" smtClean="0"/>
+              <a:t>} </a:t>
+            </a:r>
+          </a:p>
+          <a:p>
+            <a:endParaRPr lang="en-US" dirty="0" smtClean="0"/>
+          </a:p>
+          <a:p>
+            <a:r>
+              <a:rPr lang="en-US" dirty="0" smtClean="0"/>
+              <a:t>class Circle extends Shape { </a:t>
+            </a:r>
+          </a:p>
+          <a:p>
+            <a:r>
+              <a:rPr lang="en-US" dirty="0" smtClean="0"/>
+              <a:t>   </a:t>
+            </a:r>
+            <a:r>
+              <a:rPr lang="en-US" dirty="0" err="1" smtClean="0"/>
+              <a:t>disp</a:t>
+            </a:r>
+            <a:r>
+              <a:rPr lang="en-US" dirty="0" smtClean="0"/>
+              <a:t>():void { </a:t>
+            </a:r>
+          </a:p>
+          <a:p>
+            <a:r>
+              <a:rPr lang="en-US" dirty="0" smtClean="0"/>
+              <a:t>      console.log("Area of the circle:  "+</a:t>
+            </a:r>
+            <a:r>
+              <a:rPr lang="en-US" dirty="0" err="1" smtClean="0"/>
+              <a:t>this.Area</a:t>
+            </a:r>
+            <a:r>
+              <a:rPr lang="en-US" dirty="0" smtClean="0"/>
+              <a:t>) </a:t>
+            </a:r>
+          </a:p>
+          <a:p>
+            <a:r>
+              <a:rPr lang="en-US" dirty="0" smtClean="0"/>
+              <a:t>   } </a:t>
+            </a:r>
+          </a:p>
+          <a:p>
+            <a:r>
+              <a:rPr lang="en-US" dirty="0" smtClean="0"/>
+              <a:t>}</a:t>
+            </a:r>
+          </a:p>
+          <a:p>
+            <a:r>
+              <a:rPr lang="en-US" dirty="0" smtClean="0"/>
+              <a:t>  </a:t>
+            </a:r>
+          </a:p>
+          <a:p>
+            <a:r>
+              <a:rPr lang="en-US" dirty="0" err="1" smtClean="0"/>
+              <a:t>var</a:t>
+            </a:r>
+            <a:r>
+              <a:rPr lang="en-US" dirty="0" smtClean="0"/>
+              <a:t> </a:t>
+            </a:r>
+            <a:r>
+              <a:rPr lang="en-US" dirty="0" err="1" smtClean="0"/>
+              <a:t>obj</a:t>
+            </a:r>
+            <a:r>
+              <a:rPr lang="en-US" dirty="0" smtClean="0"/>
+              <a:t> = new Circle(223); </a:t>
+            </a:r>
+          </a:p>
+          <a:p>
+            <a:r>
+              <a:rPr lang="en-US" dirty="0" err="1" smtClean="0"/>
+              <a:t>obj.disp</a:t>
+            </a:r>
+            <a:r>
+              <a:rPr lang="en-US" dirty="0" smtClean="0"/>
+              <a:t>()</a:t>
+            </a:r>
+          </a:p>
+          <a:p>
+            <a:endParaRPr lang="en-US" dirty="0" smtClean="0"/>
+          </a:p>
+          <a:p>
+            <a:r>
+              <a:rPr lang="en-US" dirty="0" smtClean="0"/>
+              <a:t>Inheritance can be classified as −</a:t>
+            </a:r>
+          </a:p>
+          <a:p>
+            <a:endParaRPr lang="en-US" dirty="0" smtClean="0"/>
+          </a:p>
+          <a:p>
+            <a:r>
+              <a:rPr lang="en-US" dirty="0" smtClean="0"/>
+              <a:t>Single − Every class can at the most extend from one parent class</a:t>
+            </a:r>
+          </a:p>
+          <a:p>
+            <a:endParaRPr lang="en-US" dirty="0" smtClean="0"/>
+          </a:p>
+          <a:p>
+            <a:r>
+              <a:rPr lang="en-US" dirty="0" smtClean="0"/>
+              <a:t>Multiple − A class can inherit from multiple classes. </a:t>
+            </a:r>
+            <a:r>
+              <a:rPr lang="en-US" dirty="0" err="1" smtClean="0"/>
               <a:t>TypeScript</a:t>
             </a:r>
             <a:r>
-              <a:rPr lang="en-US" sz="1200" b="0" i="0" kern="1200" dirty="0" smtClean="0">
-                <a:solidFill>
-                  <a:schemeClr val="tx1"/>
-                </a:solidFill>
-                <a:effectLst/>
-                <a:latin typeface="+mn-lt"/>
-                <a:ea typeface="+mn-ea"/>
-                <a:cs typeface="+mn-cs"/>
-              </a:rPr>
-              <a:t> does. Here is an example definition of a </a:t>
-            </a:r>
-            <a:r>
-              <a:rPr lang="en-US" sz="1200" b="0" i="0" kern="1200" dirty="0" err="1" smtClean="0">
-                <a:solidFill>
-                  <a:schemeClr val="tx1"/>
-                </a:solidFill>
-                <a:effectLst/>
-                <a:latin typeface="+mn-lt"/>
-                <a:ea typeface="+mn-ea"/>
-                <a:cs typeface="+mn-cs"/>
-              </a:rPr>
-              <a:t>TypeScript</a:t>
-            </a:r>
-            <a:r>
-              <a:rPr lang="en-US" sz="1200" b="0" i="0" kern="1200" dirty="0" smtClean="0">
-                <a:solidFill>
-                  <a:schemeClr val="tx1"/>
-                </a:solidFill>
-                <a:effectLst/>
-                <a:latin typeface="+mn-lt"/>
-                <a:ea typeface="+mn-ea"/>
-                <a:cs typeface="+mn-cs"/>
-              </a:rPr>
+              <a:rPr lang="en-US" dirty="0" smtClean="0"/>
+              <a:t> doesn’t support multiple inheritance.</a:t>
+            </a:r>
+          </a:p>
+          <a:p>
+            <a:endParaRPr lang="en-US" dirty="0" smtClean="0"/>
+          </a:p>
+          <a:p>
+            <a:r>
+              <a:rPr lang="en-US" dirty="0" smtClean="0"/>
+              <a:t>Multi-level − The following example shows how multi-level inheritance works.</a:t>
+            </a:r>
+          </a:p>
+          <a:p>
+            <a:endParaRPr lang="en-US" dirty="0" smtClean="0"/>
+          </a:p>
+          <a:p>
+            <a:r>
+              <a:rPr lang="en-US" dirty="0" smtClean="0"/>
+              <a:t>class Root { </a:t>
+            </a:r>
+          </a:p>
+          <a:p>
+            <a:r>
+              <a:rPr lang="en-US" dirty="0" smtClean="0"/>
+              <a:t>   </a:t>
+            </a:r>
+            <a:r>
+              <a:rPr lang="en-US" dirty="0" err="1" smtClean="0"/>
+              <a:t>str:string</a:t>
+            </a:r>
+            <a:r>
+              <a:rPr lang="en-US" dirty="0" smtClean="0"/>
+              <a:t>; </a:t>
+            </a:r>
+          </a:p>
+          <a:p>
+            <a:r>
+              <a:rPr lang="en-US" dirty="0" smtClean="0"/>
+              <a:t>} </a:t>
+            </a:r>
+          </a:p>
+          <a:p>
+            <a:endParaRPr lang="en-US" dirty="0" smtClean="0"/>
+          </a:p>
+          <a:p>
+            <a:r>
+              <a:rPr lang="en-US" dirty="0" smtClean="0"/>
+              <a:t>class Child extends Root {} </a:t>
+            </a:r>
+          </a:p>
+          <a:p>
+            <a:r>
+              <a:rPr lang="en-US" dirty="0" smtClean="0"/>
+              <a:t>class Leaf extends Child {} //indirectly inherits from Root by virtue of inheritance  </a:t>
+            </a:r>
+          </a:p>
+          <a:p>
+            <a:endParaRPr lang="en-US" dirty="0" smtClean="0"/>
+          </a:p>
+          <a:p>
+            <a:r>
+              <a:rPr lang="en-US" dirty="0" err="1" smtClean="0"/>
+              <a:t>var</a:t>
+            </a:r>
+            <a:r>
+              <a:rPr lang="en-US" dirty="0" smtClean="0"/>
               <a:t> </a:t>
             </a:r>
             <a:r>
-              <a:rPr lang="en-US" sz="1200" b="0" i="0" kern="1200" dirty="0" err="1" smtClean="0">
-                <a:solidFill>
-                  <a:schemeClr val="tx1"/>
-                </a:solidFill>
-                <a:effectLst/>
-                <a:latin typeface="+mn-lt"/>
-                <a:ea typeface="+mn-ea"/>
-                <a:cs typeface="+mn-cs"/>
-              </a:rPr>
-              <a:t>enum</a:t>
-            </a:r>
-            <a:r>
-              <a:rPr lang="en-US" sz="1200" b="0" i="0" kern="1200" dirty="0" smtClean="0">
-                <a:solidFill>
-                  <a:schemeClr val="tx1"/>
-                </a:solidFill>
-                <a:effectLst/>
-                <a:latin typeface="+mn-lt"/>
-                <a:ea typeface="+mn-ea"/>
-                <a:cs typeface="+mn-cs"/>
-              </a:rPr>
-              <a:t>:</a:t>
-            </a:r>
-          </a:p>
-          <a:p>
-            <a:endParaRPr lang="en-US" sz="1200" b="0" i="0" kern="1200" dirty="0" smtClean="0">
-              <a:solidFill>
-                <a:schemeClr val="tx1"/>
-              </a:solidFill>
-              <a:effectLst/>
-              <a:latin typeface="+mn-lt"/>
-              <a:ea typeface="+mn-ea"/>
-              <a:cs typeface="+mn-cs"/>
-            </a:endParaRPr>
-          </a:p>
-          <a:p>
-            <a:r>
-              <a:rPr lang="en-US" sz="1200" b="0" i="0" kern="1200" dirty="0" err="1" smtClean="0">
-                <a:solidFill>
-                  <a:schemeClr val="tx1"/>
-                </a:solidFill>
-                <a:effectLst/>
-                <a:latin typeface="+mn-lt"/>
-                <a:ea typeface="+mn-ea"/>
-                <a:cs typeface="+mn-cs"/>
-              </a:rPr>
-              <a:t>TypeScript</a:t>
-            </a:r>
-            <a:r>
-              <a:rPr lang="en-US" sz="1200" b="0" i="0" kern="1200" dirty="0" smtClean="0">
-                <a:solidFill>
-                  <a:schemeClr val="tx1"/>
-                </a:solidFill>
-                <a:effectLst/>
-                <a:latin typeface="+mn-lt"/>
-                <a:ea typeface="+mn-ea"/>
-                <a:cs typeface="+mn-cs"/>
-              </a:rPr>
-              <a:t> </a:t>
-            </a:r>
-            <a:r>
-              <a:rPr lang="en-US" sz="1200" b="0" i="0" kern="1200" dirty="0" err="1" smtClean="0">
-                <a:solidFill>
-                  <a:schemeClr val="tx1"/>
-                </a:solidFill>
-                <a:effectLst/>
-                <a:latin typeface="+mn-lt"/>
-                <a:ea typeface="+mn-ea"/>
-                <a:cs typeface="+mn-cs"/>
-              </a:rPr>
-              <a:t>enums</a:t>
-            </a:r>
-            <a:r>
-              <a:rPr lang="en-US" sz="1200" b="0" i="0" kern="1200" dirty="0" smtClean="0">
-                <a:solidFill>
-                  <a:schemeClr val="tx1"/>
-                </a:solidFill>
-                <a:effectLst/>
-                <a:latin typeface="+mn-lt"/>
-                <a:ea typeface="+mn-ea"/>
-                <a:cs typeface="+mn-cs"/>
-              </a:rPr>
-              <a:t> are number based. This means that numbers can be assigned to an instance of the </a:t>
-            </a:r>
-            <a:r>
-              <a:rPr lang="en-US" sz="1200" b="0" i="0" kern="1200" dirty="0" err="1" smtClean="0">
-                <a:solidFill>
-                  <a:schemeClr val="tx1"/>
-                </a:solidFill>
-                <a:effectLst/>
-                <a:latin typeface="+mn-lt"/>
-                <a:ea typeface="+mn-ea"/>
-                <a:cs typeface="+mn-cs"/>
-              </a:rPr>
-              <a:t>enum</a:t>
-            </a:r>
-            <a:r>
-              <a:rPr lang="en-US" sz="1200" b="0" i="0" kern="1200" dirty="0" smtClean="0">
-                <a:solidFill>
-                  <a:schemeClr val="tx1"/>
-                </a:solidFill>
-                <a:effectLst/>
-                <a:latin typeface="+mn-lt"/>
-                <a:ea typeface="+mn-ea"/>
-                <a:cs typeface="+mn-cs"/>
-              </a:rPr>
-              <a:t>, and so can anything else that is compatible with </a:t>
+              <a:rPr lang="en-US" dirty="0" err="1" smtClean="0"/>
+              <a:t>obj</a:t>
             </a:r>
             <a:r>
               <a:rPr lang="en-US" dirty="0" smtClean="0"/>
-              <a:t>number</a:t>
-            </a:r>
-            <a:r>
-              <a:rPr lang="en-US" sz="1200" b="0" i="0" kern="1200" dirty="0" smtClean="0">
-                <a:solidFill>
-                  <a:schemeClr val="tx1"/>
-                </a:solidFill>
-                <a:effectLst/>
-                <a:latin typeface="+mn-lt"/>
-                <a:ea typeface="+mn-ea"/>
-                <a:cs typeface="+mn-cs"/>
-              </a:rPr>
-              <a:t>.</a:t>
-            </a:r>
-          </a:p>
-          <a:p>
-            <a:endParaRPr lang="en-US" sz="1200" b="0" i="0" kern="1200" dirty="0" smtClean="0">
-              <a:solidFill>
-                <a:schemeClr val="tx1"/>
-              </a:solidFill>
-              <a:effectLst/>
-              <a:latin typeface="+mn-lt"/>
-              <a:ea typeface="+mn-ea"/>
-              <a:cs typeface="+mn-cs"/>
-            </a:endParaRPr>
-          </a:p>
-          <a:p>
-            <a:endParaRPr lang="en-US" sz="1200" b="0" i="0" kern="1200" dirty="0" smtClean="0">
-              <a:solidFill>
-                <a:schemeClr val="tx1"/>
-              </a:solidFill>
-              <a:effectLst/>
-              <a:latin typeface="+mn-lt"/>
-              <a:ea typeface="+mn-ea"/>
-              <a:cs typeface="+mn-cs"/>
-            </a:endParaRPr>
-          </a:p>
-          <a:p>
+              <a:t> = new Leaf(); </a:t>
+            </a:r>
+          </a:p>
+          <a:p>
+            <a:r>
+              <a:rPr lang="en-US" dirty="0" err="1" smtClean="0"/>
+              <a:t>obj.str</a:t>
+            </a:r>
+            <a:r>
+              <a:rPr lang="en-US" dirty="0" smtClean="0"/>
+              <a:t> ="hello" </a:t>
+            </a:r>
+          </a:p>
+          <a:p>
+            <a:r>
+              <a:rPr lang="en-US" dirty="0" smtClean="0"/>
+              <a:t>console.log(</a:t>
+            </a:r>
+            <a:r>
+              <a:rPr lang="en-US" dirty="0" err="1" smtClean="0"/>
+              <a:t>obj.str</a:t>
+            </a:r>
+            <a:r>
+              <a:rPr lang="en-US" dirty="0" smtClean="0"/>
+              <a:t>)</a:t>
+            </a:r>
             <a:endParaRPr lang="en-US" dirty="0"/>
           </a:p>
         </p:txBody>
@@ -9787,7 +9185,7 @@
     </p:spTree>
     <p:extLst>
       <p:ext uri="{BB962C8B-B14F-4D97-AF65-F5344CB8AC3E}">
-        <p14:creationId xmlns:p14="http://schemas.microsoft.com/office/powerpoint/2010/main" val="3330542676"/>
+        <p14:creationId xmlns:p14="http://schemas.microsoft.com/office/powerpoint/2010/main" val="3291696188"/>
       </p:ext>
     </p:extLst>
   </p:cSld>
@@ -9841,29 +9239,43 @@
           <a:bodyPr/>
           <a:lstStyle/>
           <a:p>
-            <a:pPr marL="0" marR="0" indent="0" algn="l" defTabSz="914400" rtl="0" eaLnBrk="1" fontAlgn="auto" latinLnBrk="0" hangingPunct="1">
-              <a:lnSpc>
-                <a:spcPct val="100000"/>
-              </a:lnSpc>
-              <a:spcBef>
-                <a:spcPts val="0"/>
-              </a:spcBef>
-              <a:spcAft>
-                <a:spcPts val="0"/>
-              </a:spcAft>
-              <a:buClrTx/>
-              <a:buSzTx/>
-              <a:buFontTx/>
-              <a:buNone/>
-              <a:tabLst/>
-              <a:defRPr/>
-            </a:pPr>
-            <a:r>
-              <a:rPr lang="en-US" dirty="0" smtClean="0"/>
-              <a:t>Generics are a way to create functions and classes that define a behavior that can be reused across many different types while retaining the full information about that type.</a:t>
-            </a:r>
-          </a:p>
-          <a:p>
+            <a:r>
+              <a:rPr lang="en-US" sz="1434" b="0" i="0" kern="1200" dirty="0" smtClean="0">
+                <a:solidFill>
+                  <a:schemeClr val="tx1"/>
+                </a:solidFill>
+                <a:effectLst/>
+                <a:latin typeface="+mn-lt"/>
+                <a:ea typeface="+mn-ea"/>
+                <a:cs typeface="+mn-cs"/>
+              </a:rPr>
+              <a:t>Polymorphism in its pure definition means to have many shapes. When this is applied to software development, it applies to a wide variety of techniques that enable us to use a variety of different objects or methods to perform a task. In pure OOP languages, polymorphism refers to the use of method overloading, operator overloading, and method overriding.</a:t>
+            </a:r>
+          </a:p>
+          <a:p>
+            <a:r>
+              <a:rPr lang="en-US" sz="1434" b="0" i="0" kern="1200" dirty="0" smtClean="0">
+                <a:solidFill>
+                  <a:schemeClr val="tx1"/>
+                </a:solidFill>
+                <a:effectLst/>
+                <a:latin typeface="+mn-lt"/>
+                <a:ea typeface="+mn-ea"/>
+                <a:cs typeface="+mn-cs"/>
+              </a:rPr>
+              <a:t/>
+            </a:r>
+            <a:br>
+              <a:rPr lang="en-US" sz="1434" b="0" i="0" kern="1200" dirty="0" smtClean="0">
+                <a:solidFill>
+                  <a:schemeClr val="tx1"/>
+                </a:solidFill>
+                <a:effectLst/>
+                <a:latin typeface="+mn-lt"/>
+                <a:ea typeface="+mn-ea"/>
+                <a:cs typeface="+mn-cs"/>
+              </a:rPr>
+            </a:br>
             <a:endParaRPr lang="en-US" dirty="0"/>
           </a:p>
         </p:txBody>
@@ -9883,7 +9295,7 @@
           <a:bodyPr/>
           <a:lstStyle/>
           <a:p>
-            <a:fld id="{EB1F9770-9DD8-43BC-8316-D00590B68DF7}" type="slidenum">
+            <a:fld id="{9687E208-1B4B-A041-A1BB-6D46C6EE0456}" type="slidenum">
               <a:rPr lang="en-US" smtClean="0"/>
               <a:t>18</a:t>
             </a:fld>
@@ -9894,7 +9306,7 @@
     </p:spTree>
     <p:extLst>
       <p:ext uri="{BB962C8B-B14F-4D97-AF65-F5344CB8AC3E}">
-        <p14:creationId xmlns:p14="http://schemas.microsoft.com/office/powerpoint/2010/main" val="4015459960"/>
+        <p14:creationId xmlns:p14="http://schemas.microsoft.com/office/powerpoint/2010/main" val="2149746696"/>
       </p:ext>
     </p:extLst>
   </p:cSld>
@@ -9949,7 +9361,7 @@
           <a:lstStyle/>
           <a:p>
             <a:r>
-              <a:rPr lang="en-US" sz="1200" b="0" i="0" kern="1200" dirty="0" smtClean="0">
+              <a:rPr lang="en-US" sz="1200" b="0" i="0" kern="1200" dirty="0" err="1" smtClean="0">
                 <a:solidFill>
                   <a:schemeClr val="tx1"/>
                 </a:solidFill>
@@ -9958,10 +9370,10 @@
                 <a:ea typeface="+mn-ea"/>
                 <a:cs typeface="+mn-cs"/>
               </a:rPr>
-              <a:t>As your </a:t>
-            </a:r>
-            <a:r>
-              <a:rPr lang="en-US" sz="1200" b="0" i="0" kern="1200" dirty="0" err="1" smtClean="0">
+              <a:t>Enums</a:t>
+            </a:r>
+            <a:r>
+              <a:rPr lang="en-US" sz="1200" b="0" i="0" kern="1200" dirty="0" smtClean="0">
                 <a:solidFill>
                   <a:schemeClr val="tx1"/>
                 </a:solidFill>
@@ -9970,10 +9382,10 @@
                 <a:ea typeface="+mn-ea"/>
                 <a:cs typeface="+mn-cs"/>
               </a:rPr>
-              <a:t>TypeScript</a:t>
-            </a:r>
-            <a:r>
-              <a:rPr lang="en-US" sz="1200" b="0" i="0" kern="1200" dirty="0" smtClean="0">
+              <a:t> allow us to define a set of named numeric constants. An </a:t>
+            </a:r>
+            <a:r>
+              <a:rPr lang="en-US" sz="1200" b="0" i="0" kern="1200" dirty="0" err="1" smtClean="0">
                 <a:solidFill>
                   <a:schemeClr val="tx1"/>
                 </a:solidFill>
@@ -9982,10 +9394,10 @@
                 <a:ea typeface="+mn-ea"/>
                 <a:cs typeface="+mn-cs"/>
               </a:rPr>
-              <a:t> code base grows it becomes important to organize classes and interfaces for better maintainability. </a:t>
-            </a:r>
-            <a:r>
-              <a:rPr lang="en-US" sz="1200" b="0" i="0" kern="1200" dirty="0" err="1" smtClean="0">
+              <a:t>enum</a:t>
+            </a:r>
+            <a:r>
+              <a:rPr lang="en-US" sz="1200" b="0" i="0" kern="1200" dirty="0" smtClean="0">
                 <a:solidFill>
                   <a:schemeClr val="tx1"/>
                 </a:solidFill>
@@ -9994,10 +9406,10 @@
                 <a:ea typeface="+mn-ea"/>
                 <a:cs typeface="+mn-cs"/>
               </a:rPr>
-              <a:t>TypeScript</a:t>
-            </a:r>
-            <a:r>
-              <a:rPr lang="en-US" sz="1200" b="0" i="0" kern="1200" dirty="0" smtClean="0">
+              <a:t> can be defined using the </a:t>
+            </a:r>
+            <a:r>
+              <a:rPr lang="en-US" sz="1200" b="0" i="0" kern="1200" dirty="0" err="1" smtClean="0">
                 <a:solidFill>
                   <a:schemeClr val="tx1"/>
                 </a:solidFill>
@@ -10006,7 +9418,263 @@
                 <a:ea typeface="+mn-ea"/>
                 <a:cs typeface="+mn-cs"/>
               </a:rPr>
-              <a:t> modules allow you to do just that. A module is a container for your code that helps you organize your code in a neat way. Conceptually you may find them similar to .NET namespaces. Let's see how to create a module.</a:t>
+              <a:t>enum</a:t>
+            </a:r>
+            <a:r>
+              <a:rPr lang="en-US" sz="1200" b="0" i="0" kern="1200" dirty="0" smtClean="0">
+                <a:solidFill>
+                  <a:schemeClr val="tx1"/>
+                </a:solidFill>
+                <a:effectLst/>
+                <a:latin typeface="+mn-lt"/>
+                <a:ea typeface="+mn-ea"/>
+                <a:cs typeface="+mn-cs"/>
+              </a:rPr>
+              <a:t> keyword.</a:t>
+            </a:r>
+          </a:p>
+          <a:p>
+            <a:r>
+              <a:rPr lang="en-US" dirty="0" smtClean="0"/>
+              <a:t/>
+            </a:r>
+            <a:br>
+              <a:rPr lang="en-US" dirty="0" smtClean="0"/>
+            </a:br>
+            <a:r>
+              <a:rPr lang="en-US" sz="1200" b="0" i="0" kern="1200" dirty="0" err="1" smtClean="0">
+                <a:solidFill>
+                  <a:schemeClr val="tx1"/>
+                </a:solidFill>
+                <a:effectLst/>
+                <a:latin typeface="+mn-lt"/>
+                <a:ea typeface="+mn-ea"/>
+                <a:cs typeface="+mn-cs"/>
+              </a:rPr>
+              <a:t>Enums</a:t>
+            </a:r>
+            <a:r>
+              <a:rPr lang="en-US" sz="1200" b="0" i="0" kern="1200" dirty="0" smtClean="0">
+                <a:solidFill>
+                  <a:schemeClr val="tx1"/>
+                </a:solidFill>
+                <a:effectLst/>
+                <a:latin typeface="+mn-lt"/>
+                <a:ea typeface="+mn-ea"/>
+                <a:cs typeface="+mn-cs"/>
+              </a:rPr>
+              <a:t> are real objects that exist at runtime. One reason is the ability to maintain a reverse mapping from </a:t>
+            </a:r>
+            <a:r>
+              <a:rPr lang="en-US" sz="1200" b="0" i="0" kern="1200" dirty="0" err="1" smtClean="0">
+                <a:solidFill>
+                  <a:schemeClr val="tx1"/>
+                </a:solidFill>
+                <a:effectLst/>
+                <a:latin typeface="+mn-lt"/>
+                <a:ea typeface="+mn-ea"/>
+                <a:cs typeface="+mn-cs"/>
+              </a:rPr>
+              <a:t>enum</a:t>
+            </a:r>
+            <a:r>
+              <a:rPr lang="en-US" sz="1200" b="0" i="0" kern="1200" dirty="0" smtClean="0">
+                <a:solidFill>
+                  <a:schemeClr val="tx1"/>
+                </a:solidFill>
+                <a:effectLst/>
+                <a:latin typeface="+mn-lt"/>
+                <a:ea typeface="+mn-ea"/>
+                <a:cs typeface="+mn-cs"/>
+              </a:rPr>
+              <a:t> values to </a:t>
+            </a:r>
+            <a:r>
+              <a:rPr lang="en-US" sz="1200" b="0" i="0" kern="1200" dirty="0" err="1" smtClean="0">
+                <a:solidFill>
+                  <a:schemeClr val="tx1"/>
+                </a:solidFill>
+                <a:effectLst/>
+                <a:latin typeface="+mn-lt"/>
+                <a:ea typeface="+mn-ea"/>
+                <a:cs typeface="+mn-cs"/>
+              </a:rPr>
+              <a:t>enum</a:t>
+            </a:r>
+            <a:r>
+              <a:rPr lang="en-US" sz="1200" b="0" i="0" kern="1200" dirty="0" smtClean="0">
+                <a:solidFill>
+                  <a:schemeClr val="tx1"/>
+                </a:solidFill>
+                <a:effectLst/>
+                <a:latin typeface="+mn-lt"/>
+                <a:ea typeface="+mn-ea"/>
+                <a:cs typeface="+mn-cs"/>
+              </a:rPr>
+              <a:t> names.</a:t>
+            </a:r>
+          </a:p>
+          <a:p>
+            <a:endParaRPr lang="en-US" b="1" dirty="0" smtClean="0">
+              <a:effectLst/>
+            </a:endParaRPr>
+          </a:p>
+          <a:p>
+            <a:r>
+              <a:rPr lang="en-US" sz="1200" b="0" i="0" kern="1200" dirty="0" smtClean="0">
+                <a:solidFill>
+                  <a:schemeClr val="tx1"/>
+                </a:solidFill>
+                <a:effectLst/>
+                <a:latin typeface="+mn-lt"/>
+                <a:ea typeface="+mn-ea"/>
+                <a:cs typeface="+mn-cs"/>
+              </a:rPr>
+              <a:t>The body of an </a:t>
+            </a:r>
+            <a:r>
+              <a:rPr lang="en-US" sz="1200" b="0" i="0" kern="1200" dirty="0" err="1" smtClean="0">
+                <a:solidFill>
+                  <a:schemeClr val="tx1"/>
+                </a:solidFill>
+                <a:effectLst/>
+                <a:latin typeface="+mn-lt"/>
+                <a:ea typeface="+mn-ea"/>
+                <a:cs typeface="+mn-cs"/>
+              </a:rPr>
+              <a:t>enum</a:t>
+            </a:r>
+            <a:r>
+              <a:rPr lang="en-US" sz="1200" b="0" i="0" kern="1200" dirty="0" smtClean="0">
+                <a:solidFill>
+                  <a:schemeClr val="tx1"/>
+                </a:solidFill>
+                <a:effectLst/>
+                <a:latin typeface="+mn-lt"/>
+                <a:ea typeface="+mn-ea"/>
+                <a:cs typeface="+mn-cs"/>
+              </a:rPr>
+              <a:t> consists of zero or more </a:t>
+            </a:r>
+            <a:r>
+              <a:rPr lang="en-US" sz="1200" b="0" i="0" kern="1200" dirty="0" err="1" smtClean="0">
+                <a:solidFill>
+                  <a:schemeClr val="tx1"/>
+                </a:solidFill>
+                <a:effectLst/>
+                <a:latin typeface="+mn-lt"/>
+                <a:ea typeface="+mn-ea"/>
+                <a:cs typeface="+mn-cs"/>
+              </a:rPr>
+              <a:t>enum</a:t>
+            </a:r>
+            <a:r>
+              <a:rPr lang="en-US" sz="1200" b="0" i="0" kern="1200" dirty="0" smtClean="0">
+                <a:solidFill>
+                  <a:schemeClr val="tx1"/>
+                </a:solidFill>
+                <a:effectLst/>
+                <a:latin typeface="+mn-lt"/>
+                <a:ea typeface="+mn-ea"/>
+                <a:cs typeface="+mn-cs"/>
+              </a:rPr>
+              <a:t> members. </a:t>
+            </a:r>
+            <a:r>
+              <a:rPr lang="en-US" sz="1200" b="0" i="0" kern="1200" dirty="0" err="1" smtClean="0">
+                <a:solidFill>
+                  <a:schemeClr val="tx1"/>
+                </a:solidFill>
+                <a:effectLst/>
+                <a:latin typeface="+mn-lt"/>
+                <a:ea typeface="+mn-ea"/>
+                <a:cs typeface="+mn-cs"/>
+              </a:rPr>
+              <a:t>Enum</a:t>
+            </a:r>
+            <a:r>
+              <a:rPr lang="en-US" sz="1200" b="0" i="0" kern="1200" dirty="0" smtClean="0">
+                <a:solidFill>
+                  <a:schemeClr val="tx1"/>
+                </a:solidFill>
+                <a:effectLst/>
+                <a:latin typeface="+mn-lt"/>
+                <a:ea typeface="+mn-ea"/>
+                <a:cs typeface="+mn-cs"/>
+              </a:rPr>
+              <a:t> members have numeric value associated with them and can be either </a:t>
+            </a:r>
+            <a:r>
+              <a:rPr lang="en-US" sz="1200" b="0" i="1" kern="1200" dirty="0" smtClean="0">
+                <a:solidFill>
+                  <a:schemeClr val="tx1"/>
+                </a:solidFill>
+                <a:effectLst/>
+                <a:latin typeface="+mn-lt"/>
+                <a:ea typeface="+mn-ea"/>
+                <a:cs typeface="+mn-cs"/>
+              </a:rPr>
+              <a:t>constant</a:t>
+            </a:r>
+            <a:r>
+              <a:rPr lang="en-US" sz="1200" b="0" i="0" kern="1200" dirty="0" smtClean="0">
+                <a:solidFill>
+                  <a:schemeClr val="tx1"/>
+                </a:solidFill>
+                <a:effectLst/>
+                <a:latin typeface="+mn-lt"/>
+                <a:ea typeface="+mn-ea"/>
+                <a:cs typeface="+mn-cs"/>
+              </a:rPr>
+              <a:t> or </a:t>
+            </a:r>
+            <a:r>
+              <a:rPr lang="en-US" sz="1200" b="0" i="1" kern="1200" dirty="0" smtClean="0">
+                <a:solidFill>
+                  <a:schemeClr val="tx1"/>
+                </a:solidFill>
+                <a:effectLst/>
+                <a:latin typeface="+mn-lt"/>
+                <a:ea typeface="+mn-ea"/>
+                <a:cs typeface="+mn-cs"/>
+              </a:rPr>
+              <a:t>computed</a:t>
+            </a:r>
+            <a:r>
+              <a:rPr lang="en-US" sz="1200" b="0" i="0" kern="1200" dirty="0" smtClean="0">
+                <a:solidFill>
+                  <a:schemeClr val="tx1"/>
+                </a:solidFill>
+                <a:effectLst/>
+                <a:latin typeface="+mn-lt"/>
+                <a:ea typeface="+mn-ea"/>
+                <a:cs typeface="+mn-cs"/>
+              </a:rPr>
+              <a:t>. An </a:t>
+            </a:r>
+            <a:r>
+              <a:rPr lang="en-US" sz="1200" b="0" i="0" kern="1200" dirty="0" err="1" smtClean="0">
+                <a:solidFill>
+                  <a:schemeClr val="tx1"/>
+                </a:solidFill>
+                <a:effectLst/>
+                <a:latin typeface="+mn-lt"/>
+                <a:ea typeface="+mn-ea"/>
+                <a:cs typeface="+mn-cs"/>
+              </a:rPr>
+              <a:t>enum</a:t>
+            </a:r>
+            <a:r>
+              <a:rPr lang="en-US" sz="1200" b="0" i="0" kern="1200" dirty="0" smtClean="0">
+                <a:solidFill>
+                  <a:schemeClr val="tx1"/>
+                </a:solidFill>
+                <a:effectLst/>
+                <a:latin typeface="+mn-lt"/>
+                <a:ea typeface="+mn-ea"/>
+                <a:cs typeface="+mn-cs"/>
+              </a:rPr>
+              <a:t> member is considered constant if:</a:t>
             </a:r>
           </a:p>
           <a:p>
@@ -10031,10 +9699,23 @@
                 <a:ea typeface="+mn-ea"/>
                 <a:cs typeface="+mn-cs"/>
               </a:rPr>
-              <a:t>The above code defines Company module using the module keyword. The Company module contains three classes - Employee, </a:t>
-            </a:r>
-            <a:r>
-              <a:rPr lang="en-US" sz="1200" b="0" i="0" kern="1200" dirty="0" err="1" smtClean="0">
+              <a:t>//////</a:t>
+            </a:r>
+          </a:p>
+          <a:p>
+            <a:endParaRPr lang="en-US" sz="1200" b="0" i="0" kern="1200" dirty="0" smtClean="0">
+              <a:solidFill>
+                <a:schemeClr val="tx1"/>
+              </a:solidFill>
+              <a:effectLst/>
+              <a:latin typeface="+mn-lt"/>
+              <a:ea typeface="+mn-ea"/>
+              <a:cs typeface="+mn-cs"/>
+            </a:endParaRPr>
+          </a:p>
+          <a:p>
+            <a:r>
+              <a:rPr lang="en-US" sz="1200" b="0" i="0" kern="1200" dirty="0" smtClean="0">
                 <a:solidFill>
                   <a:schemeClr val="tx1"/>
                 </a:solidFill>
@@ -10043,10 +9724,10 @@
                 <a:ea typeface="+mn-ea"/>
                 <a:cs typeface="+mn-cs"/>
               </a:rPr>
-              <a:t>EmployeeHelper</a:t>
-            </a:r>
-            <a:r>
-              <a:rPr lang="en-US" sz="1200" b="0" i="0" kern="1200" dirty="0" smtClean="0">
+              <a:t>An </a:t>
+            </a:r>
+            <a:r>
+              <a:rPr lang="en-US" sz="1200" b="0" i="0" kern="1200" dirty="0" err="1" smtClean="0">
                 <a:solidFill>
                   <a:schemeClr val="tx1"/>
                 </a:solidFill>
@@ -10055,10 +9736,10 @@
                 <a:ea typeface="+mn-ea"/>
                 <a:cs typeface="+mn-cs"/>
               </a:rPr>
-              <a:t> and Customer. By default all the classes from a module are accessible only within that module. That is why it is alright to access the Employee class inside the </a:t>
-            </a:r>
-            <a:r>
-              <a:rPr lang="en-US" sz="1200" b="0" i="0" kern="1200" dirty="0" err="1" smtClean="0">
+              <a:t>enum</a:t>
+            </a:r>
+            <a:r>
+              <a:rPr lang="en-US" sz="1200" b="0" i="0" kern="1200" dirty="0" smtClean="0">
                 <a:solidFill>
                   <a:schemeClr val="tx1"/>
                 </a:solidFill>
@@ -10067,7 +9748,11 @@
                 <a:ea typeface="+mn-ea"/>
                 <a:cs typeface="+mn-cs"/>
               </a:rPr>
-              <a:t>EmployeeHelper</a:t>
+              <a:t> is a way to organize a collection of related values. Many other programming languages (C/C#/Java) have an </a:t>
+            </a:r>
+            <a:r>
+              <a:rPr lang="en-US" dirty="0" err="1" smtClean="0"/>
+              <a:t>enum</a:t>
             </a:r>
             <a:r>
               <a:rPr lang="en-US" sz="1200" b="0" i="0" kern="1200" dirty="0" smtClean="0">
@@ -10079,8 +9764,205 @@
                 <a:ea typeface="+mn-ea"/>
                 <a:cs typeface="+mn-cs"/>
               </a:rPr>
-              <a:t> class from the same module but you can't access the Employee class from outside the Company module. If you wish to access a class from a module from the outside world you need to "export" it as in the case of the Customer class.</a:t>
-            </a:r>
+              <a:t> data type but JavaScript does not. However </a:t>
+            </a:r>
+            <a:r>
+              <a:rPr lang="en-US" sz="1200" b="0" i="0" kern="1200" dirty="0" err="1" smtClean="0">
+                <a:solidFill>
+                  <a:schemeClr val="tx1"/>
+                </a:solidFill>
+                <a:effectLst/>
+                <a:latin typeface="+mn-lt"/>
+                <a:ea typeface="+mn-ea"/>
+                <a:cs typeface="+mn-cs"/>
+              </a:rPr>
+              <a:t>TypeScript</a:t>
+            </a:r>
+            <a:r>
+              <a:rPr lang="en-US" sz="1200" b="0" i="0" kern="1200" dirty="0" smtClean="0">
+                <a:solidFill>
+                  <a:schemeClr val="tx1"/>
+                </a:solidFill>
+                <a:effectLst/>
+                <a:latin typeface="+mn-lt"/>
+                <a:ea typeface="+mn-ea"/>
+                <a:cs typeface="+mn-cs"/>
+              </a:rPr>
+              <a:t> does. Here is an example definition of a </a:t>
+            </a:r>
+            <a:r>
+              <a:rPr lang="en-US" sz="1200" b="0" i="0" kern="1200" dirty="0" err="1" smtClean="0">
+                <a:solidFill>
+                  <a:schemeClr val="tx1"/>
+                </a:solidFill>
+                <a:effectLst/>
+                <a:latin typeface="+mn-lt"/>
+                <a:ea typeface="+mn-ea"/>
+                <a:cs typeface="+mn-cs"/>
+              </a:rPr>
+              <a:t>TypeScript</a:t>
+            </a:r>
+            <a:r>
+              <a:rPr lang="en-US" sz="1200" b="0" i="0" kern="1200" dirty="0" smtClean="0">
+                <a:solidFill>
+                  <a:schemeClr val="tx1"/>
+                </a:solidFill>
+                <a:effectLst/>
+                <a:latin typeface="+mn-lt"/>
+                <a:ea typeface="+mn-ea"/>
+                <a:cs typeface="+mn-cs"/>
+              </a:rPr>
+              <a:t> </a:t>
+            </a:r>
+            <a:r>
+              <a:rPr lang="en-US" sz="1200" b="0" i="0" kern="1200" dirty="0" err="1" smtClean="0">
+                <a:solidFill>
+                  <a:schemeClr val="tx1"/>
+                </a:solidFill>
+                <a:effectLst/>
+                <a:latin typeface="+mn-lt"/>
+                <a:ea typeface="+mn-ea"/>
+                <a:cs typeface="+mn-cs"/>
+              </a:rPr>
+              <a:t>enum</a:t>
+            </a:r>
+            <a:r>
+              <a:rPr lang="en-US" sz="1200" b="0" i="0" kern="1200" dirty="0" smtClean="0">
+                <a:solidFill>
+                  <a:schemeClr val="tx1"/>
+                </a:solidFill>
+                <a:effectLst/>
+                <a:latin typeface="+mn-lt"/>
+                <a:ea typeface="+mn-ea"/>
+                <a:cs typeface="+mn-cs"/>
+              </a:rPr>
+              <a:t>:</a:t>
+            </a:r>
+          </a:p>
+          <a:p>
+            <a:endParaRPr lang="en-US" sz="1200" b="0" i="0" kern="1200" dirty="0" smtClean="0">
+              <a:solidFill>
+                <a:schemeClr val="tx1"/>
+              </a:solidFill>
+              <a:effectLst/>
+              <a:latin typeface="+mn-lt"/>
+              <a:ea typeface="+mn-ea"/>
+              <a:cs typeface="+mn-cs"/>
+            </a:endParaRPr>
+          </a:p>
+          <a:p>
+            <a:r>
+              <a:rPr lang="en-US" sz="1200" b="0" i="0" kern="1200" dirty="0" err="1" smtClean="0">
+                <a:solidFill>
+                  <a:schemeClr val="tx1"/>
+                </a:solidFill>
+                <a:effectLst/>
+                <a:latin typeface="+mn-lt"/>
+                <a:ea typeface="+mn-ea"/>
+                <a:cs typeface="+mn-cs"/>
+              </a:rPr>
+              <a:t>TypeScript</a:t>
+            </a:r>
+            <a:r>
+              <a:rPr lang="en-US" sz="1200" b="0" i="0" kern="1200" dirty="0" smtClean="0">
+                <a:solidFill>
+                  <a:schemeClr val="tx1"/>
+                </a:solidFill>
+                <a:effectLst/>
+                <a:latin typeface="+mn-lt"/>
+                <a:ea typeface="+mn-ea"/>
+                <a:cs typeface="+mn-cs"/>
+              </a:rPr>
+              <a:t> </a:t>
+            </a:r>
+            <a:r>
+              <a:rPr lang="en-US" sz="1200" b="0" i="0" kern="1200" dirty="0" err="1" smtClean="0">
+                <a:solidFill>
+                  <a:schemeClr val="tx1"/>
+                </a:solidFill>
+                <a:effectLst/>
+                <a:latin typeface="+mn-lt"/>
+                <a:ea typeface="+mn-ea"/>
+                <a:cs typeface="+mn-cs"/>
+              </a:rPr>
+              <a:t>enums</a:t>
+            </a:r>
+            <a:r>
+              <a:rPr lang="en-US" sz="1200" b="0" i="0" kern="1200" dirty="0" smtClean="0">
+                <a:solidFill>
+                  <a:schemeClr val="tx1"/>
+                </a:solidFill>
+                <a:effectLst/>
+                <a:latin typeface="+mn-lt"/>
+                <a:ea typeface="+mn-ea"/>
+                <a:cs typeface="+mn-cs"/>
+              </a:rPr>
+              <a:t> are number based. This means that numbers can be assigned to an instance of the </a:t>
+            </a:r>
+            <a:r>
+              <a:rPr lang="en-US" sz="1200" b="0" i="0" kern="1200" dirty="0" err="1" smtClean="0">
+                <a:solidFill>
+                  <a:schemeClr val="tx1"/>
+                </a:solidFill>
+                <a:effectLst/>
+                <a:latin typeface="+mn-lt"/>
+                <a:ea typeface="+mn-ea"/>
+                <a:cs typeface="+mn-cs"/>
+              </a:rPr>
+              <a:t>enum</a:t>
+            </a:r>
+            <a:r>
+              <a:rPr lang="en-US" sz="1200" b="0" i="0" kern="1200" dirty="0" smtClean="0">
+                <a:solidFill>
+                  <a:schemeClr val="tx1"/>
+                </a:solidFill>
+                <a:effectLst/>
+                <a:latin typeface="+mn-lt"/>
+                <a:ea typeface="+mn-ea"/>
+                <a:cs typeface="+mn-cs"/>
+              </a:rPr>
+              <a:t>, and so can anything else that is compatible with </a:t>
+            </a:r>
+            <a:r>
+              <a:rPr lang="en-US" dirty="0" smtClean="0"/>
+              <a:t>number</a:t>
+            </a:r>
+            <a:r>
+              <a:rPr lang="en-US" sz="1200" b="0" i="0" kern="1200" dirty="0" smtClean="0">
+                <a:solidFill>
+                  <a:schemeClr val="tx1"/>
+                </a:solidFill>
+                <a:effectLst/>
+                <a:latin typeface="+mn-lt"/>
+                <a:ea typeface="+mn-ea"/>
+                <a:cs typeface="+mn-cs"/>
+              </a:rPr>
+              <a:t>.</a:t>
+            </a:r>
+          </a:p>
+          <a:p>
+            <a:endParaRPr lang="en-US" sz="1200" b="0" i="0" kern="1200" dirty="0" smtClean="0">
+              <a:solidFill>
+                <a:schemeClr val="tx1"/>
+              </a:solidFill>
+              <a:effectLst/>
+              <a:latin typeface="+mn-lt"/>
+              <a:ea typeface="+mn-ea"/>
+              <a:cs typeface="+mn-cs"/>
+            </a:endParaRPr>
+          </a:p>
+          <a:p>
+            <a:endParaRPr lang="en-US" sz="1200" b="0" i="0" kern="1200" dirty="0" smtClean="0">
+              <a:solidFill>
+                <a:schemeClr val="tx1"/>
+              </a:solidFill>
+              <a:effectLst/>
+              <a:latin typeface="+mn-lt"/>
+              <a:ea typeface="+mn-ea"/>
+              <a:cs typeface="+mn-cs"/>
+            </a:endParaRPr>
+          </a:p>
+          <a:p>
             <a:endParaRPr lang="en-US" dirty="0"/>
           </a:p>
         </p:txBody>
@@ -10111,7 +9993,7 @@
     </p:spTree>
     <p:extLst>
       <p:ext uri="{BB962C8B-B14F-4D97-AF65-F5344CB8AC3E}">
-        <p14:creationId xmlns:p14="http://schemas.microsoft.com/office/powerpoint/2010/main" val="2369422328"/>
+        <p14:creationId xmlns:p14="http://schemas.microsoft.com/office/powerpoint/2010/main" val="3330542676"/>
       </p:ext>
     </p:extLst>
   </p:cSld>
@@ -10165,60 +10047,30 @@
           <a:bodyPr/>
           <a:lstStyle/>
           <a:p>
+            <a:pPr marL="0" marR="0" indent="0" algn="l" defTabSz="914400" rtl="0" eaLnBrk="1" fontAlgn="auto" latinLnBrk="0" hangingPunct="1">
+              <a:lnSpc>
+                <a:spcPct val="100000"/>
+              </a:lnSpc>
+              <a:spcBef>
+                <a:spcPts val="0"/>
+              </a:spcBef>
+              <a:spcAft>
+                <a:spcPts val="0"/>
+              </a:spcAft>
+              <a:buClrTx/>
+              <a:buSzTx/>
+              <a:buFontTx/>
+              <a:buNone/>
+              <a:tabLst/>
+              <a:defRPr/>
+            </a:pPr>
             <a:r>
               <a:rPr lang="en-US" dirty="0" smtClean="0"/>
-              <a:t>The decorators</a:t>
-            </a:r>
-            <a:r>
-              <a:rPr lang="en-US" baseline="0" dirty="0" smtClean="0"/>
-              <a:t> is an experimental feature in typescript. They are currently being used in angular2. We have to explicitly specify the </a:t>
-            </a:r>
-            <a:r>
-              <a:rPr lang="en-US" baseline="0" dirty="0" err="1" smtClean="0"/>
-              <a:t>experimentalDecoprator</a:t>
-            </a:r>
-            <a:r>
-              <a:rPr lang="en-US" baseline="0" dirty="0" smtClean="0"/>
-              <a:t> option to true in </a:t>
-            </a:r>
-            <a:r>
-              <a:rPr lang="en-US" baseline="0" dirty="0" err="1" smtClean="0"/>
-              <a:t>tsconfig</a:t>
-            </a:r>
-            <a:r>
-              <a:rPr lang="en-US" baseline="0" dirty="0" smtClean="0"/>
-              <a:t> file.</a:t>
-            </a:r>
-          </a:p>
-          <a:p>
-            <a:endParaRPr lang="en-US" baseline="0" dirty="0" smtClean="0"/>
-          </a:p>
-          <a:p>
-            <a:r>
-              <a:rPr lang="en-US" baseline="0" dirty="0" smtClean="0"/>
-              <a:t>A decorator is nothing but a special kind of declaration that can be attached to classes, methods or properties. The decorators can be evaluated at run time.  The decorators starts with @ symbol.  We can assign a decorator to class by writing just before to the class definition. The decorator should not contain the semicolon.</a:t>
-            </a:r>
-          </a:p>
-          <a:p>
-            <a:endParaRPr lang="en-US" baseline="0" dirty="0" smtClean="0"/>
-          </a:p>
-          <a:p>
-            <a:r>
-              <a:rPr lang="en-US" baseline="0" dirty="0" smtClean="0"/>
-              <a:t>So the decorator should be like</a:t>
-            </a:r>
-          </a:p>
-          <a:p>
-            <a:r>
-              <a:rPr lang="en-US" baseline="0" dirty="0" smtClean="0"/>
-              <a:t>@Decorator code</a:t>
-            </a:r>
-          </a:p>
-          <a:p>
-            <a:r>
-              <a:rPr lang="en-US" baseline="0" dirty="0" smtClean="0"/>
-              <a:t>Class code</a:t>
-            </a:r>
+              <a:t>Generics are a way to create functions and classes that define a behavior that can be reused across many different types while retaining the full information about that type.</a:t>
+            </a:r>
+          </a:p>
+          <a:p>
+            <a:endParaRPr lang="en-US" dirty="0"/>
           </a:p>
         </p:txBody>
       </p:sp>
@@ -10237,7 +10089,7 @@
           <a:bodyPr/>
           <a:lstStyle/>
           <a:p>
-            <a:fld id="{9687E208-1B4B-A041-A1BB-6D46C6EE0456}" type="slidenum">
+            <a:fld id="{EB1F9770-9DD8-43BC-8316-D00590B68DF7}" type="slidenum">
               <a:rPr lang="en-US" smtClean="0"/>
               <a:t>20</a:t>
             </a:fld>
@@ -10248,7 +10100,224 @@
     </p:spTree>
     <p:extLst>
       <p:ext uri="{BB962C8B-B14F-4D97-AF65-F5344CB8AC3E}">
-        <p14:creationId xmlns:p14="http://schemas.microsoft.com/office/powerpoint/2010/main" val="364337135"/>
+        <p14:creationId xmlns:p14="http://schemas.microsoft.com/office/powerpoint/2010/main" val="4015459960"/>
+      </p:ext>
+    </p:extLst>
+  </p:cSld>
+  <p:clrMapOvr>
+    <a:masterClrMapping/>
+  </p:clrMapOvr>
+</p:notes>
+</file>
+
+<file path=ppt/notesSlides/notesSlide19.xml><?xml version="1.0" encoding="utf-8"?>
+<p:notes xmlns:a="http://schemas.openxmlformats.org/drawingml/2006/main" xmlns:r="http://schemas.openxmlformats.org/officeDocument/2006/relationships" xmlns:p="http://schemas.openxmlformats.org/presentationml/2006/main">
+  <p:cSld>
+    <p:spTree>
+      <p:nvGrpSpPr>
+        <p:cNvPr id="1" name=""/>
+        <p:cNvGrpSpPr/>
+        <p:nvPr/>
+      </p:nvGrpSpPr>
+      <p:grpSpPr>
+        <a:xfrm>
+          <a:off x="0" y="0"/>
+          <a:ext cx="0" cy="0"/>
+          <a:chOff x="0" y="0"/>
+          <a:chExt cx="0" cy="0"/>
+        </a:xfrm>
+      </p:grpSpPr>
+      <p:sp>
+        <p:nvSpPr>
+          <p:cNvPr id="2" name="Slide Image Placeholder 1"/>
+          <p:cNvSpPr>
+            <a:spLocks noGrp="1" noRot="1" noChangeAspect="1"/>
+          </p:cNvSpPr>
+          <p:nvPr>
+            <p:ph type="sldImg"/>
+          </p:nvPr>
+        </p:nvSpPr>
+        <p:spPr/>
+      </p:sp>
+      <p:sp>
+        <p:nvSpPr>
+          <p:cNvPr id="3" name="Notes Placeholder 2"/>
+          <p:cNvSpPr>
+            <a:spLocks noGrp="1"/>
+          </p:cNvSpPr>
+          <p:nvPr>
+            <p:ph type="body" idx="1"/>
+          </p:nvPr>
+        </p:nvSpPr>
+        <p:spPr/>
+        <p:txBody>
+          <a:bodyPr/>
+          <a:lstStyle/>
+          <a:p>
+            <a:r>
+              <a:rPr lang="en-US" sz="1200" b="0" i="0" kern="1200" dirty="0" smtClean="0">
+                <a:solidFill>
+                  <a:schemeClr val="tx1"/>
+                </a:solidFill>
+                <a:effectLst/>
+                <a:latin typeface="+mn-lt"/>
+                <a:ea typeface="+mn-ea"/>
+                <a:cs typeface="+mn-cs"/>
+              </a:rPr>
+              <a:t>As your </a:t>
+            </a:r>
+            <a:r>
+              <a:rPr lang="en-US" sz="1200" b="0" i="0" kern="1200" dirty="0" err="1" smtClean="0">
+                <a:solidFill>
+                  <a:schemeClr val="tx1"/>
+                </a:solidFill>
+                <a:effectLst/>
+                <a:latin typeface="+mn-lt"/>
+                <a:ea typeface="+mn-ea"/>
+                <a:cs typeface="+mn-cs"/>
+              </a:rPr>
+              <a:t>TypeScript</a:t>
+            </a:r>
+            <a:r>
+              <a:rPr lang="en-US" sz="1200" b="0" i="0" kern="1200" dirty="0" smtClean="0">
+                <a:solidFill>
+                  <a:schemeClr val="tx1"/>
+                </a:solidFill>
+                <a:effectLst/>
+                <a:latin typeface="+mn-lt"/>
+                <a:ea typeface="+mn-ea"/>
+                <a:cs typeface="+mn-cs"/>
+              </a:rPr>
+              <a:t> code base grows it becomes important to organize classes and interfaces for better maintainability. </a:t>
+            </a:r>
+            <a:r>
+              <a:rPr lang="en-US" sz="1200" b="0" i="0" kern="1200" dirty="0" err="1" smtClean="0">
+                <a:solidFill>
+                  <a:schemeClr val="tx1"/>
+                </a:solidFill>
+                <a:effectLst/>
+                <a:latin typeface="+mn-lt"/>
+                <a:ea typeface="+mn-ea"/>
+                <a:cs typeface="+mn-cs"/>
+              </a:rPr>
+              <a:t>TypeScript</a:t>
+            </a:r>
+            <a:r>
+              <a:rPr lang="en-US" sz="1200" b="0" i="0" kern="1200" dirty="0" smtClean="0">
+                <a:solidFill>
+                  <a:schemeClr val="tx1"/>
+                </a:solidFill>
+                <a:effectLst/>
+                <a:latin typeface="+mn-lt"/>
+                <a:ea typeface="+mn-ea"/>
+                <a:cs typeface="+mn-cs"/>
+              </a:rPr>
+              <a:t> modules allow you to do just that. A module is a container for your code that helps you organize your code in a neat way. Conceptually you may find them similar to .NET namespaces. Let's see how to create a module.</a:t>
+            </a:r>
+          </a:p>
+          <a:p>
+            <a:endParaRPr lang="en-US" sz="1200" b="0" i="0" kern="1200" dirty="0" smtClean="0">
+              <a:solidFill>
+                <a:schemeClr val="tx1"/>
+              </a:solidFill>
+              <a:effectLst/>
+              <a:latin typeface="+mn-lt"/>
+              <a:ea typeface="+mn-ea"/>
+              <a:cs typeface="+mn-cs"/>
+            </a:endParaRPr>
+          </a:p>
+          <a:p>
+            <a:r>
+              <a:rPr lang="en-US" sz="1200" b="0" i="0" kern="1200" dirty="0" smtClean="0">
+                <a:solidFill>
+                  <a:schemeClr val="tx1"/>
+                </a:solidFill>
+                <a:effectLst/>
+                <a:latin typeface="+mn-lt"/>
+                <a:ea typeface="+mn-ea"/>
+                <a:cs typeface="+mn-cs"/>
+              </a:rPr>
+              <a:t>The above code defines Company module using the module keyword. The Company module contains three classes - Employee, </a:t>
+            </a:r>
+            <a:r>
+              <a:rPr lang="en-US" sz="1200" b="0" i="0" kern="1200" dirty="0" err="1" smtClean="0">
+                <a:solidFill>
+                  <a:schemeClr val="tx1"/>
+                </a:solidFill>
+                <a:effectLst/>
+                <a:latin typeface="+mn-lt"/>
+                <a:ea typeface="+mn-ea"/>
+                <a:cs typeface="+mn-cs"/>
+              </a:rPr>
+              <a:t>EmployeeHelper</a:t>
+            </a:r>
+            <a:r>
+              <a:rPr lang="en-US" sz="1200" b="0" i="0" kern="1200" dirty="0" smtClean="0">
+                <a:solidFill>
+                  <a:schemeClr val="tx1"/>
+                </a:solidFill>
+                <a:effectLst/>
+                <a:latin typeface="+mn-lt"/>
+                <a:ea typeface="+mn-ea"/>
+                <a:cs typeface="+mn-cs"/>
+              </a:rPr>
+              <a:t> and Customer. By default all the classes from a module are accessible only within that module. That is why it is alright to access the Employee class inside the </a:t>
+            </a:r>
+            <a:r>
+              <a:rPr lang="en-US" sz="1200" b="0" i="0" kern="1200" dirty="0" err="1" smtClean="0">
+                <a:solidFill>
+                  <a:schemeClr val="tx1"/>
+                </a:solidFill>
+                <a:effectLst/>
+                <a:latin typeface="+mn-lt"/>
+                <a:ea typeface="+mn-ea"/>
+                <a:cs typeface="+mn-cs"/>
+              </a:rPr>
+              <a:t>EmployeeHelper</a:t>
+            </a:r>
+            <a:r>
+              <a:rPr lang="en-US" sz="1200" b="0" i="0" kern="1200" dirty="0" smtClean="0">
+                <a:solidFill>
+                  <a:schemeClr val="tx1"/>
+                </a:solidFill>
+                <a:effectLst/>
+                <a:latin typeface="+mn-lt"/>
+                <a:ea typeface="+mn-ea"/>
+                <a:cs typeface="+mn-cs"/>
+              </a:rPr>
+              <a:t> class from the same module but you can't access the Employee class from outside the Company module. If you wish to access a class from a module from the outside world you need to "export" it as in the case of the Customer class.</a:t>
+            </a:r>
+            <a:endParaRPr lang="en-US" dirty="0"/>
+          </a:p>
+        </p:txBody>
+      </p:sp>
+      <p:sp>
+        <p:nvSpPr>
+          <p:cNvPr id="4" name="Slide Number Placeholder 3"/>
+          <p:cNvSpPr>
+            <a:spLocks noGrp="1"/>
+          </p:cNvSpPr>
+          <p:nvPr>
+            <p:ph type="sldNum" sz="quarter" idx="10"/>
+          </p:nvPr>
+        </p:nvSpPr>
+        <p:spPr/>
+        <p:txBody>
+          <a:bodyPr/>
+          <a:lstStyle/>
+          <a:p>
+            <a:fld id="{EB1F9770-9DD8-43BC-8316-D00590B68DF7}" type="slidenum">
+              <a:rPr lang="en-US" smtClean="0"/>
+              <a:t>21</a:t>
+            </a:fld>
+            <a:endParaRPr lang="en-US"/>
+          </a:p>
+        </p:txBody>
+      </p:sp>
+    </p:spTree>
+    <p:extLst>
+      <p:ext uri="{BB962C8B-B14F-4D97-AF65-F5344CB8AC3E}">
+        <p14:creationId xmlns:p14="http://schemas.microsoft.com/office/powerpoint/2010/main" val="2369422328"/>
       </p:ext>
     </p:extLst>
   </p:cSld>
@@ -25005,7 +25074,7 @@
           <a:p>
             <a:fld id="{19C9CA7B-DFD4-44B5-8C60-D14B8CD1FB59}" type="datetimeFigureOut">
               <a:rPr lang="en-US" smtClean="0"/>
-              <a:t>8/7/2017</a:t>
+              <a:t>8/8/2017</a:t>
             </a:fld>
             <a:endParaRPr lang="en-US" dirty="0"/>
           </a:p>
@@ -28691,7 +28760,7 @@
             <a:fld id="{5B79BDB1-EA6D-F04D-88E8-640A8DCE69BA}" type="datetimeFigureOut">
               <a:rPr lang="en-US"/>
               <a:pPr/>
-              <a:t>8/7/2017</a:t>
+              <a:t>8/8/2017</a:t>
             </a:fld>
             <a:endParaRPr lang="en-US"/>
           </a:p>
@@ -31414,6 +31483,372 @@
           <a:p>
             <a:r>
               <a:rPr lang="en-US" dirty="0" smtClean="0"/>
+              <a:t>ES6 Features</a:t>
+            </a:r>
+            <a:endParaRPr lang="en-US" dirty="0"/>
+          </a:p>
+        </p:txBody>
+      </p:sp>
+      <p:sp>
+        <p:nvSpPr>
+          <p:cNvPr id="3" name="Content Placeholder 2"/>
+          <p:cNvSpPr>
+            <a:spLocks noGrp="1"/>
+          </p:cNvSpPr>
+          <p:nvPr>
+            <p:ph idx="1"/>
+          </p:nvPr>
+        </p:nvSpPr>
+        <p:spPr/>
+        <p:txBody>
+          <a:bodyPr/>
+          <a:lstStyle/>
+          <a:p>
+            <a:pPr fontAlgn="base">
+              <a:buFont typeface="Wingdings" panose="05000000000000000000" pitchFamily="2" charset="2"/>
+              <a:buChar char="Ø"/>
+            </a:pPr>
+            <a:r>
+              <a:rPr lang="en-US" sz="3300" dirty="0">
+                <a:solidFill>
+                  <a:srgbClr val="121116"/>
+                </a:solidFill>
+                <a:latin typeface="SapientSansRegular" panose="00000400000000000000" pitchFamily="2" charset="0"/>
+              </a:rPr>
+              <a:t>Default Parameters in </a:t>
+            </a:r>
+            <a:r>
+              <a:rPr lang="en-US" sz="3300" dirty="0" smtClean="0">
+                <a:solidFill>
+                  <a:srgbClr val="121116"/>
+                </a:solidFill>
+                <a:latin typeface="SapientSansRegular" panose="00000400000000000000" pitchFamily="2" charset="0"/>
+              </a:rPr>
+              <a:t>ES6</a:t>
+            </a:r>
+          </a:p>
+          <a:p>
+            <a:pPr fontAlgn="base">
+              <a:buFont typeface="Wingdings" panose="05000000000000000000" pitchFamily="2" charset="2"/>
+              <a:buChar char="Ø"/>
+            </a:pPr>
+            <a:r>
+              <a:rPr lang="en-US" sz="3300" dirty="0">
+                <a:solidFill>
+                  <a:srgbClr val="121116"/>
+                </a:solidFill>
+                <a:latin typeface="SapientSansRegular" panose="00000400000000000000" pitchFamily="2" charset="0"/>
+              </a:rPr>
+              <a:t>Template Literals in </a:t>
+            </a:r>
+            <a:r>
+              <a:rPr lang="en-US" sz="3300" dirty="0" smtClean="0">
+                <a:solidFill>
+                  <a:srgbClr val="121116"/>
+                </a:solidFill>
+                <a:latin typeface="SapientSansRegular" panose="00000400000000000000" pitchFamily="2" charset="0"/>
+              </a:rPr>
+              <a:t>ES6</a:t>
+            </a:r>
+            <a:endParaRPr lang="en-US" sz="3300" dirty="0">
+              <a:solidFill>
+                <a:srgbClr val="121116"/>
+              </a:solidFill>
+              <a:latin typeface="SapientSansRegular" panose="00000400000000000000" pitchFamily="2" charset="0"/>
+            </a:endParaRPr>
+          </a:p>
+          <a:p>
+            <a:pPr fontAlgn="base">
+              <a:buFont typeface="Wingdings" panose="05000000000000000000" pitchFamily="2" charset="2"/>
+              <a:buChar char="Ø"/>
+            </a:pPr>
+            <a:r>
+              <a:rPr lang="en-US" sz="3300" dirty="0" smtClean="0">
+                <a:solidFill>
+                  <a:srgbClr val="121116"/>
+                </a:solidFill>
+                <a:latin typeface="SapientSansRegular" panose="00000400000000000000" pitchFamily="2" charset="0"/>
+              </a:rPr>
+              <a:t>Multi-line </a:t>
+            </a:r>
+            <a:r>
+              <a:rPr lang="en-US" sz="3300" dirty="0">
+                <a:solidFill>
+                  <a:srgbClr val="121116"/>
+                </a:solidFill>
+                <a:latin typeface="SapientSansRegular" panose="00000400000000000000" pitchFamily="2" charset="0"/>
+              </a:rPr>
+              <a:t>Strings in </a:t>
+            </a:r>
+            <a:r>
+              <a:rPr lang="en-US" sz="3300" dirty="0" smtClean="0">
+                <a:solidFill>
+                  <a:srgbClr val="121116"/>
+                </a:solidFill>
+                <a:latin typeface="SapientSansRegular" panose="00000400000000000000" pitchFamily="2" charset="0"/>
+              </a:rPr>
+              <a:t>ES6</a:t>
+            </a:r>
+            <a:endParaRPr lang="en-US" sz="3300" dirty="0">
+              <a:solidFill>
+                <a:srgbClr val="121116"/>
+              </a:solidFill>
+              <a:latin typeface="SapientSansRegular" panose="00000400000000000000" pitchFamily="2" charset="0"/>
+            </a:endParaRPr>
+          </a:p>
+          <a:p>
+            <a:pPr fontAlgn="base">
+              <a:buFont typeface="Wingdings" panose="05000000000000000000" pitchFamily="2" charset="2"/>
+              <a:buChar char="Ø"/>
+            </a:pPr>
+            <a:r>
+              <a:rPr lang="en-US" sz="3300" dirty="0" err="1" smtClean="0">
+                <a:solidFill>
+                  <a:srgbClr val="121116"/>
+                </a:solidFill>
+                <a:latin typeface="SapientSansRegular" panose="00000400000000000000" pitchFamily="2" charset="0"/>
+              </a:rPr>
+              <a:t>Destructuring</a:t>
+            </a:r>
+            <a:r>
+              <a:rPr lang="en-US" sz="3300" dirty="0" smtClean="0">
+                <a:solidFill>
+                  <a:srgbClr val="121116"/>
+                </a:solidFill>
+                <a:latin typeface="SapientSansRegular" panose="00000400000000000000" pitchFamily="2" charset="0"/>
+              </a:rPr>
+              <a:t> </a:t>
+            </a:r>
+            <a:r>
+              <a:rPr lang="en-US" sz="3300" dirty="0">
+                <a:solidFill>
+                  <a:srgbClr val="121116"/>
+                </a:solidFill>
+                <a:latin typeface="SapientSansRegular" panose="00000400000000000000" pitchFamily="2" charset="0"/>
+              </a:rPr>
+              <a:t>Assignment in </a:t>
+            </a:r>
+            <a:r>
+              <a:rPr lang="en-US" sz="3300" dirty="0" smtClean="0">
+                <a:solidFill>
+                  <a:srgbClr val="121116"/>
+                </a:solidFill>
+                <a:latin typeface="SapientSansRegular" panose="00000400000000000000" pitchFamily="2" charset="0"/>
+              </a:rPr>
+              <a:t>ES6</a:t>
+            </a:r>
+          </a:p>
+          <a:p>
+            <a:pPr fontAlgn="base">
+              <a:buFont typeface="Wingdings" panose="05000000000000000000" pitchFamily="2" charset="2"/>
+              <a:buChar char="Ø"/>
+            </a:pPr>
+            <a:r>
+              <a:rPr lang="en-US" sz="3300" dirty="0" smtClean="0">
+                <a:solidFill>
+                  <a:srgbClr val="121116"/>
+                </a:solidFill>
+                <a:latin typeface="SapientSansRegular" panose="00000400000000000000" pitchFamily="2" charset="0"/>
+              </a:rPr>
+              <a:t>Arrow </a:t>
+            </a:r>
+            <a:r>
+              <a:rPr lang="en-US" sz="3300" dirty="0">
+                <a:solidFill>
+                  <a:srgbClr val="121116"/>
+                </a:solidFill>
+                <a:latin typeface="SapientSansRegular" panose="00000400000000000000" pitchFamily="2" charset="0"/>
+              </a:rPr>
+              <a:t>Functions in ES6</a:t>
+            </a:r>
+          </a:p>
+          <a:p>
+            <a:pPr fontAlgn="base">
+              <a:buFont typeface="Wingdings" panose="05000000000000000000" pitchFamily="2" charset="2"/>
+              <a:buChar char="Ø"/>
+            </a:pPr>
+            <a:r>
+              <a:rPr lang="en-US" sz="3300" dirty="0" smtClean="0">
+                <a:solidFill>
+                  <a:srgbClr val="121116"/>
+                </a:solidFill>
+                <a:latin typeface="SapientSansRegular" panose="00000400000000000000" pitchFamily="2" charset="0"/>
+              </a:rPr>
+              <a:t>Promises </a:t>
+            </a:r>
+            <a:r>
+              <a:rPr lang="en-US" sz="3300" dirty="0">
+                <a:solidFill>
+                  <a:srgbClr val="121116"/>
+                </a:solidFill>
+                <a:latin typeface="SapientSansRegular" panose="00000400000000000000" pitchFamily="2" charset="0"/>
+              </a:rPr>
+              <a:t>in ES6</a:t>
+            </a:r>
+          </a:p>
+          <a:p>
+            <a:pPr fontAlgn="base">
+              <a:buFont typeface="Wingdings" panose="05000000000000000000" pitchFamily="2" charset="2"/>
+              <a:buChar char="Ø"/>
+            </a:pPr>
+            <a:r>
+              <a:rPr lang="en-US" sz="3300" dirty="0" smtClean="0">
+                <a:solidFill>
+                  <a:srgbClr val="121116"/>
+                </a:solidFill>
+                <a:latin typeface="SapientSansRegular" panose="00000400000000000000" pitchFamily="2" charset="0"/>
+              </a:rPr>
+              <a:t>Block-Scoped </a:t>
+            </a:r>
+            <a:r>
+              <a:rPr lang="en-US" sz="3300" dirty="0">
+                <a:solidFill>
+                  <a:srgbClr val="121116"/>
+                </a:solidFill>
+                <a:latin typeface="SapientSansRegular" panose="00000400000000000000" pitchFamily="2" charset="0"/>
+              </a:rPr>
+              <a:t>Constructs Let and </a:t>
+            </a:r>
+            <a:r>
+              <a:rPr lang="en-US" sz="3300" dirty="0" err="1">
+                <a:solidFill>
+                  <a:srgbClr val="121116"/>
+                </a:solidFill>
+                <a:latin typeface="SapientSansRegular" panose="00000400000000000000" pitchFamily="2" charset="0"/>
+              </a:rPr>
+              <a:t>Const</a:t>
+            </a:r>
+            <a:endParaRPr lang="en-US" sz="3300" dirty="0">
+              <a:solidFill>
+                <a:srgbClr val="121116"/>
+              </a:solidFill>
+              <a:latin typeface="SapientSansRegular" panose="00000400000000000000" pitchFamily="2" charset="0"/>
+            </a:endParaRPr>
+          </a:p>
+          <a:p>
+            <a:pPr fontAlgn="base">
+              <a:buFont typeface="Wingdings" panose="05000000000000000000" pitchFamily="2" charset="2"/>
+              <a:buChar char="Ø"/>
+            </a:pPr>
+            <a:r>
+              <a:rPr lang="en-US" sz="3300" dirty="0" smtClean="0">
+                <a:solidFill>
+                  <a:srgbClr val="121116"/>
+                </a:solidFill>
+                <a:latin typeface="SapientSansRegular" panose="00000400000000000000" pitchFamily="2" charset="0"/>
+              </a:rPr>
+              <a:t>Classes </a:t>
+            </a:r>
+            <a:r>
+              <a:rPr lang="en-US" sz="3300" dirty="0">
+                <a:solidFill>
+                  <a:srgbClr val="121116"/>
+                </a:solidFill>
+                <a:latin typeface="SapientSansRegular" panose="00000400000000000000" pitchFamily="2" charset="0"/>
+              </a:rPr>
+              <a:t>in ES6</a:t>
+            </a:r>
+          </a:p>
+          <a:p>
+            <a:pPr fontAlgn="base">
+              <a:buFont typeface="Wingdings" panose="05000000000000000000" pitchFamily="2" charset="2"/>
+              <a:buChar char="Ø"/>
+            </a:pPr>
+            <a:r>
+              <a:rPr lang="en-US" sz="3300" dirty="0" smtClean="0">
+                <a:solidFill>
+                  <a:srgbClr val="121116"/>
+                </a:solidFill>
+                <a:latin typeface="SapientSansRegular" panose="00000400000000000000" pitchFamily="2" charset="0"/>
+              </a:rPr>
+              <a:t>Modules </a:t>
+            </a:r>
+            <a:r>
+              <a:rPr lang="en-US" sz="3300" dirty="0">
+                <a:solidFill>
+                  <a:srgbClr val="121116"/>
+                </a:solidFill>
+                <a:latin typeface="SapientSansRegular" panose="00000400000000000000" pitchFamily="2" charset="0"/>
+              </a:rPr>
+              <a:t>in ES6</a:t>
+            </a:r>
+          </a:p>
+          <a:p>
+            <a:pPr marL="0" indent="0">
+              <a:buNone/>
+            </a:pPr>
+            <a:r>
+              <a:rPr lang="en-US" dirty="0"/>
+              <a:t/>
+            </a:r>
+            <a:br>
+              <a:rPr lang="en-US" dirty="0"/>
+            </a:br>
+            <a:r>
+              <a:rPr lang="en-US" dirty="0"/>
+              <a:t/>
+            </a:r>
+            <a:br>
+              <a:rPr lang="en-US" dirty="0"/>
+            </a:br>
+            <a:r>
+              <a:rPr lang="en-US" dirty="0"/>
+              <a:t/>
+            </a:r>
+            <a:br>
+              <a:rPr lang="en-US" dirty="0"/>
+            </a:br>
+            <a:endParaRPr lang="en-US" dirty="0"/>
+          </a:p>
+        </p:txBody>
+      </p:sp>
+    </p:spTree>
+    <p:extLst>
+      <p:ext uri="{BB962C8B-B14F-4D97-AF65-F5344CB8AC3E}">
+        <p14:creationId xmlns:p14="http://schemas.microsoft.com/office/powerpoint/2010/main" val="400762643"/>
+      </p:ext>
+    </p:extLst>
+  </p:cSld>
+  <p:clrMapOvr>
+    <a:masterClrMapping/>
+  </p:clrMapOvr>
+</p:sld>
+</file>
+
+<file path=ppt/slides/slide13.xml><?xml version="1.0" encoding="utf-8"?>
+<p:sld xmlns:a="http://schemas.openxmlformats.org/drawingml/2006/main" xmlns:r="http://schemas.openxmlformats.org/officeDocument/2006/relationships" xmlns:p="http://schemas.openxmlformats.org/presentationml/2006/main">
+  <p:cSld>
+    <p:spTree>
+      <p:nvGrpSpPr>
+        <p:cNvPr id="1" name=""/>
+        <p:cNvGrpSpPr/>
+        <p:nvPr/>
+      </p:nvGrpSpPr>
+      <p:grpSpPr>
+        <a:xfrm>
+          <a:off x="0" y="0"/>
+          <a:ext cx="0" cy="0"/>
+          <a:chOff x="0" y="0"/>
+          <a:chExt cx="0" cy="0"/>
+        </a:xfrm>
+      </p:grpSpPr>
+      <p:sp>
+        <p:nvSpPr>
+          <p:cNvPr id="2" name="Title 1"/>
+          <p:cNvSpPr>
+            <a:spLocks noGrp="1"/>
+          </p:cNvSpPr>
+          <p:nvPr>
+            <p:ph type="title"/>
+          </p:nvPr>
+        </p:nvSpPr>
+        <p:spPr/>
+        <p:txBody>
+          <a:bodyPr/>
+          <a:lstStyle/>
+          <a:p>
+            <a:r>
+              <a:rPr lang="en-US" dirty="0" smtClean="0"/>
               <a:t>Setup Typescript</a:t>
             </a:r>
             <a:endParaRPr lang="en-US" dirty="0"/>
@@ -31648,16 +32083,7 @@
                 </a:solidFill>
                 <a:latin typeface="SapientSansRegular" panose="00000400000000000000" pitchFamily="2" charset="0"/>
               </a:rPr>
-              <a:t>typescript source file. </a:t>
-            </a:r>
-            <a:r>
-              <a:rPr lang="en-US" sz="3600" dirty="0">
-                <a:solidFill>
-                  <a:srgbClr val="121116"/>
-                </a:solidFill>
-                <a:latin typeface="SapientSansRegular" panose="00000400000000000000" pitchFamily="2" charset="0"/>
-              </a:rPr>
-              <a:t>Type script source file extension should be </a:t>
+              <a:t>typescript source file. Type script source file extension should be </a:t>
             </a:r>
             <a:r>
               <a:rPr lang="en-US" sz="3600" dirty="0" err="1">
@@ -31830,16 +32256,7 @@
                 </a:solidFill>
                 <a:latin typeface="SapientSansRegular" panose="00000400000000000000" pitchFamily="2" charset="0"/>
               </a:rPr>
-              <a:t>an html file and include the generated </a:t>
-            </a:r>
-            <a:r>
-              <a:rPr lang="en-US" sz="3600" dirty="0">
-                <a:solidFill>
-                  <a:srgbClr val="121116"/>
-                </a:solidFill>
-                <a:latin typeface="SapientSansRegular" panose="00000400000000000000" pitchFamily="2" charset="0"/>
-              </a:rPr>
-              <a:t>js file</a:t>
+              <a:t>an html file and include the generated js file</a:t>
             </a:r>
           </a:p>
           <a:p>
@@ -31872,7 +32289,7 @@
 </p:sld>
 </file>
 
-<file path=ppt/slides/slide13.xml><?xml version="1.0" encoding="utf-8"?>
+<file path=ppt/slides/slide14.xml><?xml version="1.0" encoding="utf-8"?>
 <p:sld xmlns:a="http://schemas.openxmlformats.org/drawingml/2006/main" xmlns:r="http://schemas.openxmlformats.org/officeDocument/2006/relationships" xmlns:p="http://schemas.openxmlformats.org/presentationml/2006/main">
   <p:cSld>
     <p:spTree>
@@ -31962,7 +32379,7 @@
 </p:sld>
 </file>
 
-<file path=ppt/slides/slide14.xml><?xml version="1.0" encoding="utf-8"?>
+<file path=ppt/slides/slide15.xml><?xml version="1.0" encoding="utf-8"?>
 <p:sld xmlns:a="http://schemas.openxmlformats.org/drawingml/2006/main" xmlns:r="http://schemas.openxmlformats.org/officeDocument/2006/relationships" xmlns:p="http://schemas.openxmlformats.org/presentationml/2006/main">
   <p:cSld>
     <p:spTree>
@@ -32048,7 +32465,7 @@
 </p:sld>
 </file>
 
-<file path=ppt/slides/slide15.xml><?xml version="1.0" encoding="utf-8"?>
+<file path=ppt/slides/slide16.xml><?xml version="1.0" encoding="utf-8"?>
 <p:sld xmlns:a="http://schemas.openxmlformats.org/drawingml/2006/main" xmlns:r="http://schemas.openxmlformats.org/officeDocument/2006/relationships" xmlns:p="http://schemas.openxmlformats.org/presentationml/2006/main">
   <p:cSld>
     <p:spTree>
@@ -32134,7 +32551,7 @@
 </p:sld>
 </file>
 
-<file path=ppt/slides/slide16.xml><?xml version="1.0" encoding="utf-8"?>
+<file path=ppt/slides/slide17.xml><?xml version="1.0" encoding="utf-8"?>
 <p:sld xmlns:a="http://schemas.openxmlformats.org/drawingml/2006/main" xmlns:r="http://schemas.openxmlformats.org/officeDocument/2006/relationships" xmlns:p="http://schemas.openxmlformats.org/presentationml/2006/main">
   <p:cSld>
     <p:spTree>
@@ -32218,7 +32635,150 @@
 </p:sld>
 </file>
 
-<file path=ppt/slides/slide17.xml><?xml version="1.0" encoding="utf-8"?>
+<file path=ppt/slides/slide18.xml><?xml version="1.0" encoding="utf-8"?>
+<p:sld xmlns:a="http://schemas.openxmlformats.org/drawingml/2006/main" xmlns:r="http://schemas.openxmlformats.org/officeDocument/2006/relationships" xmlns:p="http://schemas.openxmlformats.org/presentationml/2006/main">
+  <p:cSld>
+    <p:spTree>
+      <p:nvGrpSpPr>
+        <p:cNvPr id="1" name=""/>
+        <p:cNvGrpSpPr/>
+        <p:nvPr/>
+      </p:nvGrpSpPr>
+      <p:grpSpPr>
+        <a:xfrm>
+          <a:off x="0" y="0"/>
+          <a:ext cx="0" cy="0"/>
+          <a:chOff x="0" y="0"/>
+          <a:chExt cx="0" cy="0"/>
+        </a:xfrm>
+      </p:grpSpPr>
+      <p:sp>
+        <p:nvSpPr>
+          <p:cNvPr id="2" name="Title 1"/>
+          <p:cNvSpPr>
+            <a:spLocks noGrp="1"/>
+          </p:cNvSpPr>
+          <p:nvPr>
+            <p:ph type="title"/>
+          </p:nvPr>
+        </p:nvSpPr>
+        <p:spPr/>
+        <p:txBody>
+          <a:bodyPr/>
+          <a:lstStyle/>
+          <a:p>
+            <a:r>
+              <a:rPr lang="en-US" dirty="0"/>
+              <a:t>Polymorphism</a:t>
+            </a:r>
+            <a:br>
+              <a:rPr lang="en-US" dirty="0"/>
+            </a:br>
+            <a:endParaRPr lang="en-US" dirty="0"/>
+          </a:p>
+        </p:txBody>
+      </p:sp>
+      <p:sp>
+        <p:nvSpPr>
+          <p:cNvPr id="3" name="Content Placeholder 2"/>
+          <p:cNvSpPr>
+            <a:spLocks noGrp="1"/>
+          </p:cNvSpPr>
+          <p:nvPr>
+            <p:ph idx="1"/>
+          </p:nvPr>
+        </p:nvSpPr>
+        <p:spPr/>
+        <p:txBody>
+          <a:bodyPr/>
+          <a:lstStyle/>
+          <a:p>
+            <a:pPr>
+              <a:lnSpc>
+                <a:spcPct val="100000"/>
+              </a:lnSpc>
+              <a:buClr>
+                <a:schemeClr val="tx1"/>
+              </a:buClr>
+              <a:buSzPct val="80000"/>
+              <a:buFont typeface="Wingdings" panose="05000000000000000000" pitchFamily="2" charset="2"/>
+              <a:buChar char="Ø"/>
+            </a:pPr>
+            <a:r>
+              <a:rPr lang="en-US" sz="3300" dirty="0">
+                <a:solidFill>
+                  <a:srgbClr val="121116"/>
+                </a:solidFill>
+                <a:latin typeface="SapientSansRegular" panose="00000400000000000000" pitchFamily="2" charset="0"/>
+              </a:rPr>
+              <a:t>Method </a:t>
+            </a:r>
+            <a:r>
+              <a:rPr lang="en-US" sz="3300" dirty="0" smtClean="0">
+                <a:solidFill>
+                  <a:srgbClr val="121116"/>
+                </a:solidFill>
+                <a:latin typeface="SapientSansRegular" panose="00000400000000000000" pitchFamily="2" charset="0"/>
+              </a:rPr>
+              <a:t>overloading</a:t>
+            </a:r>
+            <a:endParaRPr lang="en-US" sz="3300" dirty="0">
+              <a:solidFill>
+                <a:srgbClr val="121116"/>
+              </a:solidFill>
+              <a:latin typeface="SapientSansRegular" panose="00000400000000000000" pitchFamily="2" charset="0"/>
+            </a:endParaRPr>
+          </a:p>
+          <a:p>
+            <a:r>
+              <a:rPr lang="en-US" dirty="0"/>
+              <a:t/>
+            </a:r>
+            <a:br>
+              <a:rPr lang="en-US" dirty="0"/>
+            </a:br>
+            <a:endParaRPr lang="en-US" dirty="0"/>
+          </a:p>
+        </p:txBody>
+      </p:sp>
+      <p:pic>
+        <p:nvPicPr>
+          <p:cNvPr id="4" name="Picture 3"/>
+          <p:cNvPicPr>
+            <a:picLocks noChangeAspect="1"/>
+          </p:cNvPicPr>
+          <p:nvPr/>
+        </p:nvPicPr>
+        <p:blipFill>
+          <a:blip r:embed="rId3"/>
+          <a:stretch>
+            <a:fillRect/>
+          </a:stretch>
+        </p:blipFill>
+        <p:spPr>
+          <a:xfrm>
+            <a:off x="733141" y="3297236"/>
+            <a:ext cx="9567305" cy="5912379"/>
+          </a:xfrm>
+          <a:prstGeom prst="rect">
+            <a:avLst/>
+          </a:prstGeom>
+        </p:spPr>
+      </p:pic>
+    </p:spTree>
+    <p:extLst>
+      <p:ext uri="{BB962C8B-B14F-4D97-AF65-F5344CB8AC3E}">
+        <p14:creationId xmlns:p14="http://schemas.microsoft.com/office/powerpoint/2010/main" val="1373783014"/>
+      </p:ext>
+    </p:extLst>
+  </p:cSld>
+  <p:clrMapOvr>
+    <a:masterClrMapping/>
+  </p:clrMapOvr>
+</p:sld>
+</file>
+
+<file path=ppt/slides/slide19.xml><?xml version="1.0" encoding="utf-8"?>
 <p:sld xmlns:a="http://schemas.openxmlformats.org/drawingml/2006/main" xmlns:r="http://schemas.openxmlformats.org/officeDocument/2006/relationships" xmlns:p="http://schemas.openxmlformats.org/presentationml/2006/main">
   <p:cSld>
     <p:spTree>
@@ -32308,178 +32868,6 @@
 </p:sld>
 </file>
 
-<file path=ppt/slides/slide18.xml><?xml version="1.0" encoding="utf-8"?>
-<p:sld xmlns:a="http://schemas.openxmlformats.org/drawingml/2006/main" xmlns:r="http://schemas.openxmlformats.org/officeDocument/2006/relationships" xmlns:p="http://schemas.openxmlformats.org/presentationml/2006/main">
-  <p:cSld>
-    <p:spTree>
-      <p:nvGrpSpPr>
-        <p:cNvPr id="1" name=""/>
-        <p:cNvGrpSpPr/>
-        <p:nvPr/>
-      </p:nvGrpSpPr>
-      <p:grpSpPr>
-        <a:xfrm>
-          <a:off x="0" y="0"/>
-          <a:ext cx="0" cy="0"/>
-          <a:chOff x="0" y="0"/>
-          <a:chExt cx="0" cy="0"/>
-        </a:xfrm>
-      </p:grpSpPr>
-      <p:sp>
-        <p:nvSpPr>
-          <p:cNvPr id="2" name="Title 1"/>
-          <p:cNvSpPr>
-            <a:spLocks noGrp="1"/>
-          </p:cNvSpPr>
-          <p:nvPr>
-            <p:ph type="title"/>
-          </p:nvPr>
-        </p:nvSpPr>
-        <p:spPr/>
-        <p:txBody>
-          <a:bodyPr/>
-          <a:lstStyle/>
-          <a:p>
-            <a:r>
-              <a:rPr lang="en-US" dirty="0" smtClean="0"/>
-              <a:t>Generics</a:t>
-            </a:r>
-            <a:endParaRPr lang="en-US" dirty="0"/>
-          </a:p>
-        </p:txBody>
-      </p:sp>
-      <p:pic>
-        <p:nvPicPr>
-          <p:cNvPr id="4" name="Content Placeholder 3"/>
-          <p:cNvPicPr>
-            <a:picLocks noGrp="1" noChangeAspect="1"/>
-          </p:cNvPicPr>
-          <p:nvPr>
-            <p:ph idx="1"/>
-          </p:nvPr>
-        </p:nvPicPr>
-        <p:blipFill>
-          <a:blip r:embed="rId3"/>
-          <a:stretch>
-            <a:fillRect/>
-          </a:stretch>
-        </p:blipFill>
-        <p:spPr>
-          <a:xfrm>
-            <a:off x="733143" y="1847807"/>
-            <a:ext cx="8301320" cy="7108692"/>
-          </a:xfrm>
-          <a:prstGeom prst="rect">
-            <a:avLst/>
-          </a:prstGeom>
-        </p:spPr>
-      </p:pic>
-    </p:spTree>
-    <p:extLst>
-      <p:ext uri="{BB962C8B-B14F-4D97-AF65-F5344CB8AC3E}">
-        <p14:creationId xmlns:p14="http://schemas.microsoft.com/office/powerpoint/2010/main" val="3874456176"/>
-      </p:ext>
-    </p:extLst>
-  </p:cSld>
-  <p:clrMapOvr>
-    <a:masterClrMapping/>
-  </p:clrMapOvr>
-  <p:timing>
-    <p:tnLst>
-      <p:par>
-        <p:cTn id="1" dur="indefinite" restart="never" nodeType="tmRoot"/>
-      </p:par>
-    </p:tnLst>
-  </p:timing>
-</p:sld>
-</file>
-
-<file path=ppt/slides/slide19.xml><?xml version="1.0" encoding="utf-8"?>
-<p:sld xmlns:a="http://schemas.openxmlformats.org/drawingml/2006/main" xmlns:r="http://schemas.openxmlformats.org/officeDocument/2006/relationships" xmlns:p="http://schemas.openxmlformats.org/presentationml/2006/main">
-  <p:cSld>
-    <p:spTree>
-      <p:nvGrpSpPr>
-        <p:cNvPr id="1" name=""/>
-        <p:cNvGrpSpPr/>
-        <p:nvPr/>
-      </p:nvGrpSpPr>
-      <p:grpSpPr>
-        <a:xfrm>
-          <a:off x="0" y="0"/>
-          <a:ext cx="0" cy="0"/>
-          <a:chOff x="0" y="0"/>
-          <a:chExt cx="0" cy="0"/>
-        </a:xfrm>
-      </p:grpSpPr>
-      <p:sp>
-        <p:nvSpPr>
-          <p:cNvPr id="2" name="Title 1"/>
-          <p:cNvSpPr>
-            <a:spLocks noGrp="1"/>
-          </p:cNvSpPr>
-          <p:nvPr>
-            <p:ph type="title"/>
-          </p:nvPr>
-        </p:nvSpPr>
-        <p:spPr/>
-        <p:txBody>
-          <a:bodyPr/>
-          <a:lstStyle/>
-          <a:p>
-            <a:r>
-              <a:rPr lang="en-US" dirty="0" smtClean="0"/>
-              <a:t>Modules</a:t>
-            </a:r>
-            <a:endParaRPr lang="en-US" dirty="0"/>
-          </a:p>
-        </p:txBody>
-      </p:sp>
-      <p:pic>
-        <p:nvPicPr>
-          <p:cNvPr id="4" name="Content Placeholder 3"/>
-          <p:cNvPicPr>
-            <a:picLocks noGrp="1" noChangeAspect="1"/>
-          </p:cNvPicPr>
-          <p:nvPr>
-            <p:ph idx="1"/>
-          </p:nvPr>
-        </p:nvPicPr>
-        <p:blipFill>
-          <a:blip r:embed="rId3"/>
-          <a:stretch>
-            <a:fillRect/>
-          </a:stretch>
-        </p:blipFill>
-        <p:spPr>
-          <a:xfrm>
-            <a:off x="733142" y="2314915"/>
-            <a:ext cx="8870472" cy="6959714"/>
-          </a:xfrm>
-          <a:prstGeom prst="rect">
-            <a:avLst/>
-          </a:prstGeom>
-        </p:spPr>
-      </p:pic>
-    </p:spTree>
-    <p:extLst>
-      <p:ext uri="{BB962C8B-B14F-4D97-AF65-F5344CB8AC3E}">
-        <p14:creationId xmlns:p14="http://schemas.microsoft.com/office/powerpoint/2010/main" val="2525948126"/>
-      </p:ext>
-    </p:extLst>
-  </p:cSld>
-  <p:clrMapOvr>
-    <a:masterClrMapping/>
-  </p:clrMapOvr>
-  <p:timing>
-    <p:tnLst>
-      <p:par>
-        <p:cTn id="1" dur="indefinite" restart="never" nodeType="tmRoot"/>
-      </p:par>
-    </p:tnLst>
-  </p:timing>
-</p:sld>
-</file>
-
 <file path=ppt/slides/slide2.xml><?xml version="1.0" encoding="utf-8"?>
 <p:sld xmlns:a="http://schemas.openxmlformats.org/drawingml/2006/main" xmlns:r="http://schemas.openxmlformats.org/officeDocument/2006/relationships" xmlns:p="http://schemas.openxmlformats.org/presentationml/2006/main">
   <p:cSld>
@@ -32669,6 +33057,27 @@
               </a:rPr>
               <a:t>objects</a:t>
             </a:r>
+          </a:p>
+          <a:p>
+            <a:pPr>
+              <a:buFont typeface="Wingdings" panose="05000000000000000000" pitchFamily="2" charset="2"/>
+              <a:buChar char="Ø"/>
+            </a:pPr>
+            <a:r>
+              <a:rPr lang="en-US" sz="3600" dirty="0" smtClean="0">
+                <a:solidFill>
+                  <a:srgbClr val="121116"/>
+                </a:solidFill>
+                <a:latin typeface="SapientSansRegular" panose="00000400000000000000" pitchFamily="2" charset="0"/>
+              </a:rPr>
+              <a:t>ES6 features</a:t>
+            </a:r>
+            <a:endParaRPr lang="en-US" sz="3600" dirty="0" smtClean="0">
+              <a:solidFill>
+                <a:srgbClr val="121116"/>
+              </a:solidFill>
+              <a:latin typeface="SapientSansRegular" panose="00000400000000000000" pitchFamily="2" charset="0"/>
+            </a:endParaRPr>
           </a:p>
           <a:p>
             <a:pPr>
@@ -33206,13 +33615,13 @@
               <a:buChar char="Ø"/>
             </a:pPr>
             <a:r>
-              <a:rPr lang="en-US" sz="3600" dirty="0" err="1" smtClean="0">
+              <a:rPr lang="en-US" sz="3600" dirty="0" smtClean="0">
                 <a:solidFill>
                   <a:srgbClr val="121116"/>
                 </a:solidFill>
                 <a:latin typeface="SapientSansRegular" panose="00000400000000000000" pitchFamily="2" charset="0"/>
               </a:rPr>
-              <a:t>Enums</a:t>
+              <a:t>Polymorphism</a:t>
             </a:r>
             <a:endParaRPr lang="en-US" sz="3600" dirty="0" smtClean="0">
               <a:solidFill>
@@ -33227,50 +33636,14 @@
               <a:buChar char="Ø"/>
             </a:pPr>
             <a:r>
-              <a:rPr lang="en-US" sz="3600" dirty="0" smtClean="0">
+              <a:rPr lang="en-US" sz="3600" dirty="0" err="1" smtClean="0">
                 <a:solidFill>
                   <a:srgbClr val="121116"/>
                 </a:solidFill>
                 <a:latin typeface="SapientSansRegular" panose="00000400000000000000" pitchFamily="2" charset="0"/>
               </a:rPr>
-              <a:t>Generic</a:t>
-            </a:r>
-          </a:p>
-          <a:p>
-            <a:pPr>
-              <a:buFont typeface="Wingdings" panose="05000000000000000000" pitchFamily="2" charset="2"/>
-              <a:buChar char="Ø"/>
-            </a:pPr>
-            <a:r>
-              <a:rPr lang="en-US" sz="3600" dirty="0" smtClean="0">
-                <a:solidFill>
-                  <a:srgbClr val="121116"/>
-                </a:solidFill>
-                <a:latin typeface="SapientSansRegular" panose="00000400000000000000" pitchFamily="2" charset="0"/>
-              </a:rPr>
-              <a:t>Modules</a:t>
-            </a:r>
-          </a:p>
-          <a:p>
-            <a:pPr>
-              <a:buFont typeface="Wingdings" panose="05000000000000000000" pitchFamily="2" charset="2"/>
-              <a:buChar char="Ø"/>
-            </a:pPr>
-            <a:r>
-              <a:rPr lang="en-US" sz="3600" dirty="0" smtClean="0">
-                <a:solidFill>
-                  <a:srgbClr val="121116"/>
-                </a:solidFill>
-                <a:latin typeface="SapientSansRegular" panose="00000400000000000000" pitchFamily="2" charset="0"/>
-              </a:rPr>
-              <a:t>Decorators</a:t>
-            </a:r>
-          </a:p>
-          <a:p>
-            <a:pPr>
-              <a:buFont typeface="Wingdings" panose="05000000000000000000" pitchFamily="2" charset="2"/>
-              <a:buChar char="Ø"/>
-            </a:pPr>
+              <a:t>Enums</a:t>
+            </a:r>
             <a:endParaRPr lang="en-US" sz="3600" dirty="0" smtClean="0">
               <a:solidFill>
                 <a:srgbClr val="121116"/>
@@ -33282,6 +33655,35 @@
             <a:pPr>
               <a:buFont typeface="Wingdings" panose="05000000000000000000" pitchFamily="2" charset="2"/>
               <a:buChar char="Ø"/>
+            </a:pPr>
+            <a:r>
+              <a:rPr lang="en-US" sz="3600" dirty="0" smtClean="0">
+                <a:solidFill>
+                  <a:srgbClr val="121116"/>
+                </a:solidFill>
+                <a:latin typeface="SapientSansRegular" panose="00000400000000000000" pitchFamily="2" charset="0"/>
+              </a:rPr>
+              <a:t>Generic</a:t>
+            </a:r>
+          </a:p>
+          <a:p>
+            <a:pPr>
+              <a:buFont typeface="Wingdings" panose="05000000000000000000" pitchFamily="2" charset="2"/>
+              <a:buChar char="Ø"/>
+            </a:pPr>
+            <a:r>
+              <a:rPr lang="en-US" sz="3600" dirty="0" smtClean="0">
+                <a:solidFill>
+                  <a:srgbClr val="121116"/>
+                </a:solidFill>
+                <a:latin typeface="SapientSansRegular" panose="00000400000000000000" pitchFamily="2" charset="0"/>
+              </a:rPr>
+              <a:t>Modules</a:t>
+            </a:r>
+          </a:p>
+          <a:p>
+            <a:pPr marL="0" indent="0">
+              <a:buNone/>
             </a:pPr>
             <a:endParaRPr lang="en-US" sz="3600" dirty="0">
               <a:solidFill>
@@ -33346,7 +33748,7 @@
           <a:p>
             <a:r>
               <a:rPr lang="en-US" dirty="0" smtClean="0"/>
-              <a:t>Decorators</a:t>
+              <a:t>Generics</a:t>
             </a:r>
             <a:endParaRPr lang="en-US" dirty="0"/>
           </a:p>
@@ -33370,8 +33772,8 @@
         </p:blipFill>
         <p:spPr>
           <a:xfrm>
-            <a:off x="733142" y="2043953"/>
-            <a:ext cx="9820269" cy="4790375"/>
+            <a:off x="733143" y="1847807"/>
+            <a:ext cx="8301320" cy="7108692"/>
           </a:xfrm>
           <a:prstGeom prst="rect">
             <a:avLst/>
@@ -33381,7 +33783,7 @@
     </p:spTree>
     <p:extLst>
       <p:ext uri="{BB962C8B-B14F-4D97-AF65-F5344CB8AC3E}">
-        <p14:creationId xmlns:p14="http://schemas.microsoft.com/office/powerpoint/2010/main" val="1577935530"/>
+        <p14:creationId xmlns:p14="http://schemas.microsoft.com/office/powerpoint/2010/main" val="3874456176"/>
       </p:ext>
     </p:extLst>
   </p:cSld>
@@ -33399,6 +33801,92 @@
 </file>
 
 <file path=ppt/slides/slide21.xml><?xml version="1.0" encoding="utf-8"?>
+<p:sld xmlns:a="http://schemas.openxmlformats.org/drawingml/2006/main" xmlns:r="http://schemas.openxmlformats.org/officeDocument/2006/relationships" xmlns:p="http://schemas.openxmlformats.org/presentationml/2006/main">
+  <p:cSld>
+    <p:spTree>
+      <p:nvGrpSpPr>
+        <p:cNvPr id="1" name=""/>
+        <p:cNvGrpSpPr/>
+        <p:nvPr/>
+      </p:nvGrpSpPr>
+      <p:grpSpPr>
+        <a:xfrm>
+          <a:off x="0" y="0"/>
+          <a:ext cx="0" cy="0"/>
+          <a:chOff x="0" y="0"/>
+          <a:chExt cx="0" cy="0"/>
+        </a:xfrm>
+      </p:grpSpPr>
+      <p:sp>
+        <p:nvSpPr>
+          <p:cNvPr id="2" name="Title 1"/>
+          <p:cNvSpPr>
+            <a:spLocks noGrp="1"/>
+          </p:cNvSpPr>
+          <p:nvPr>
+            <p:ph type="title"/>
+          </p:nvPr>
+        </p:nvSpPr>
+        <p:spPr/>
+        <p:txBody>
+          <a:bodyPr/>
+          <a:lstStyle/>
+          <a:p>
+            <a:r>
+              <a:rPr lang="en-US" dirty="0" smtClean="0"/>
+              <a:t>Modules</a:t>
+            </a:r>
+            <a:endParaRPr lang="en-US" dirty="0"/>
+          </a:p>
+        </p:txBody>
+      </p:sp>
+      <p:pic>
+        <p:nvPicPr>
+          <p:cNvPr id="4" name="Content Placeholder 3"/>
+          <p:cNvPicPr>
+            <a:picLocks noGrp="1" noChangeAspect="1"/>
+          </p:cNvPicPr>
+          <p:nvPr>
+            <p:ph idx="1"/>
+          </p:nvPr>
+        </p:nvPicPr>
+        <p:blipFill>
+          <a:blip r:embed="rId3"/>
+          <a:stretch>
+            <a:fillRect/>
+          </a:stretch>
+        </p:blipFill>
+        <p:spPr>
+          <a:xfrm>
+            <a:off x="733142" y="2314915"/>
+            <a:ext cx="8870472" cy="6959714"/>
+          </a:xfrm>
+          <a:prstGeom prst="rect">
+            <a:avLst/>
+          </a:prstGeom>
+        </p:spPr>
+      </p:pic>
+    </p:spTree>
+    <p:extLst>
+      <p:ext uri="{BB962C8B-B14F-4D97-AF65-F5344CB8AC3E}">
+        <p14:creationId xmlns:p14="http://schemas.microsoft.com/office/powerpoint/2010/main" val="2525948126"/>
+      </p:ext>
+    </p:extLst>
+  </p:cSld>
+  <p:clrMapOvr>
+    <a:masterClrMapping/>
+  </p:clrMapOvr>
+  <p:timing>
+    <p:tnLst>
+      <p:par>
+        <p:cTn id="1" dur="indefinite" restart="never" nodeType="tmRoot"/>
+      </p:par>
+    </p:tnLst>
+  </p:timing>
+</p:sld>
+</file>
+
+<file path=ppt/slides/slide22.xml><?xml version="1.0" encoding="utf-8"?>
 <p:sld xmlns:a="http://schemas.openxmlformats.org/drawingml/2006/main" xmlns:r="http://schemas.openxmlformats.org/officeDocument/2006/relationships" xmlns:p="http://schemas.openxmlformats.org/presentationml/2006/main">
   <p:cSld>
     <p:spTree>
@@ -33517,11 +34005,7 @@
           <a:p>
             <a:r>
               <a:rPr lang="en-US" dirty="0" smtClean="0"/>
-              <a:t>What is Typescript</a:t>
-            </a:r>
-            <a:r>
-              <a:rPr lang="en-US" dirty="0" smtClean="0"/>
-              <a:t>?</a:t>
+              <a:t>What is Typescript?</a:t>
             </a:r>
             <a:endParaRPr lang="en-US" dirty="0"/>
           </a:p>

--- a/docs/Type_script_SapientRazorfish.pptx
+++ b/docs/Type_script_SapientRazorfish.pptx
@@ -10066,8 +10066,64 @@
             </a:pPr>
             <a:r>
               <a:rPr lang="en-US" dirty="0" smtClean="0"/>
-              <a:t>Generics are a way to create functions and classes that define a behavior that can be reused across many different types while retaining the full information about that type.</a:t>
-            </a:r>
+              <a:t>Generics are a way to create functions and classes that define a behavior that can be reused across many different types while retaining the full information about that type</a:t>
+            </a:r>
+            <a:r>
+              <a:rPr lang="en-US" dirty="0" smtClean="0"/>
+              <a:t>. </a:t>
+            </a:r>
+          </a:p>
+          <a:p>
+            <a:pPr marL="0" marR="0" indent="0" algn="l" defTabSz="914400" rtl="0" eaLnBrk="1" fontAlgn="auto" latinLnBrk="0" hangingPunct="1">
+              <a:lnSpc>
+                <a:spcPct val="100000"/>
+              </a:lnSpc>
+              <a:spcBef>
+                <a:spcPts val="0"/>
+              </a:spcBef>
+              <a:spcAft>
+                <a:spcPts val="0"/>
+              </a:spcAft>
+              <a:buClrTx/>
+              <a:buSzTx/>
+              <a:buFontTx/>
+              <a:buNone/>
+              <a:tabLst/>
+              <a:defRPr/>
+            </a:pPr>
+            <a:endParaRPr lang="en-US" dirty="0" smtClean="0"/>
+          </a:p>
+          <a:p>
+            <a:pPr marL="0" marR="0" indent="0" algn="l" defTabSz="914400" rtl="0" eaLnBrk="1" fontAlgn="auto" latinLnBrk="0" hangingPunct="1">
+              <a:lnSpc>
+                <a:spcPct val="100000"/>
+              </a:lnSpc>
+              <a:spcBef>
+                <a:spcPts val="0"/>
+              </a:spcBef>
+              <a:spcAft>
+                <a:spcPts val="0"/>
+              </a:spcAft>
+              <a:buClrTx/>
+              <a:buSzTx/>
+              <a:buFontTx/>
+              <a:buNone/>
+              <a:tabLst/>
+              <a:defRPr/>
+            </a:pPr>
+            <a:r>
+              <a:rPr lang="en-US" sz="1434" b="0" i="0" kern="1200" dirty="0" smtClean="0">
+                <a:solidFill>
+                  <a:schemeClr val="tx1"/>
+                </a:solidFill>
+                <a:effectLst/>
+                <a:latin typeface="+mn-lt"/>
+                <a:ea typeface="+mn-ea"/>
+                <a:cs typeface="+mn-cs"/>
+              </a:rPr>
+              <a:t>Components that are capable of working on the data of today as well as the data of tomorrow will give you the most flexible capabilities for building up large software systems.</a:t>
+            </a:r>
+            <a:endParaRPr lang="en-US" dirty="0" smtClean="0"/>
           </a:p>
           <a:p>
             <a:endParaRPr lang="en-US" dirty="0"/>
@@ -33072,12 +33128,6 @@
               </a:rPr>
               <a:t>ES6 features</a:t>
             </a:r>
-            <a:endParaRPr lang="en-US" sz="3600" dirty="0" smtClean="0">
-              <a:solidFill>
-                <a:srgbClr val="121116"/>
-              </a:solidFill>
-              <a:latin typeface="SapientSansRegular" panose="00000400000000000000" pitchFamily="2" charset="0"/>
-            </a:endParaRPr>
           </a:p>
           <a:p>
             <a:pPr>
@@ -33623,12 +33673,6 @@
               </a:rPr>
               <a:t>Polymorphism</a:t>
             </a:r>
-            <a:endParaRPr lang="en-US" sz="3600" dirty="0" smtClean="0">
-              <a:solidFill>
-                <a:srgbClr val="121116"/>
-              </a:solidFill>
-              <a:latin typeface="SapientSansRegular" panose="00000400000000000000" pitchFamily="2" charset="0"/>
-            </a:endParaRPr>
           </a:p>
           <a:p>
             <a:pPr>
@@ -33936,7 +33980,7 @@
             <p:ph idx="1"/>
             <p:extLst>
               <p:ext uri="{D42A27DB-BD31-4B8C-83A1-F6EECF244321}">
-                <p14:modId xmlns:p14="http://schemas.microsoft.com/office/powerpoint/2010/main" val="1571080846"/>
+                <p14:modId xmlns:p14="http://schemas.microsoft.com/office/powerpoint/2010/main" val="3088777768"/>
               </p:ext>
             </p:extLst>
           </p:nvPr>
@@ -33951,6 +33995,58 @@
           </a:graphicData>
         </a:graphic>
       </p:graphicFrame>
+      <p:sp>
+        <p:nvSpPr>
+          <p:cNvPr id="17" name="Rectangle 16"/>
+          <p:cNvSpPr/>
+          <p:nvPr/>
+        </p:nvSpPr>
+        <p:spPr>
+          <a:xfrm>
+            <a:off x="4935180" y="4407197"/>
+            <a:ext cx="3159840" cy="1569660"/>
+          </a:xfrm>
+          <a:prstGeom prst="rect">
+            <a:avLst/>
+          </a:prstGeom>
+          <a:noFill/>
+        </p:spPr>
+        <p:txBody>
+          <a:bodyPr wrap="none" lIns="91440" tIns="45720" rIns="91440" bIns="45720">
+            <a:spAutoFit/>
+          </a:bodyPr>
+          <a:lstStyle/>
+          <a:p>
+            <a:pPr algn="ctr"/>
+            <a:r>
+              <a:rPr lang="en-US" sz="9600" b="1" dirty="0" smtClean="0">
+                <a:ln w="0"/>
+                <a:effectLst>
+                  <a:outerShdw blurRad="38100" dist="19050" dir="2700000" algn="tl" rotWithShape="0">
+                    <a:schemeClr val="dk1">
+                      <a:alpha val="40000"/>
+                    </a:schemeClr>
+                  </a:outerShdw>
+                </a:effectLst>
+              </a:rPr>
+              <a:t>Q&amp;A</a:t>
+            </a:r>
+            <a:endParaRPr lang="en-US" sz="9600" b="1" cap="none" spc="0" dirty="0">
+              <a:ln w="0"/>
+              <a:solidFill>
+                <a:schemeClr val="tx1"/>
+              </a:solidFill>
+              <a:effectLst>
+                <a:outerShdw blurRad="38100" dist="19050" dir="2700000" algn="tl" rotWithShape="0">
+                  <a:schemeClr val="dk1">
+                    <a:alpha val="40000"/>
+                  </a:schemeClr>
+                </a:outerShdw>
+              </a:effectLst>
+            </a:endParaRPr>
+          </a:p>
+        </p:txBody>
+      </p:sp>
     </p:spTree>
     <p:extLst>
       <p:ext uri="{BB962C8B-B14F-4D97-AF65-F5344CB8AC3E}">
